--- a/figures/statistics.pptx
+++ b/figures/statistics.pptx
@@ -2,15 +2,15 @@
 <file path=ppt/presentation.xml><?xml version="1.0" encoding="utf-8"?>
 <p:presentation xmlns:a="http://schemas.openxmlformats.org/drawingml/2006/main" xmlns:r="http://schemas.openxmlformats.org/officeDocument/2006/relationships" xmlns:p="http://schemas.openxmlformats.org/presentationml/2006/main">
   <p:sldMasterIdLst>
-    <p:sldMasterId id="2147483648" r:id="rId5"/>
+    <p:sldMasterId id="2147483648" r:id="rId1"/>
   </p:sldMasterIdLst>
   <p:notesMasterIdLst>
-    <p:notesMasterId r:id="rId7"/>
+    <p:notesMasterId r:id="rId3"/>
   </p:notesMasterIdLst>
   <p:sldIdLst>
-    <p:sldId id="256" r:id="rId8"/>
+    <p:sldId id="256" r:id="rId2"/>
   </p:sldIdLst>
-  <p:sldSz cx="9207500" cy="4381500"/>
+  <p:sldSz cx="9207500" cy="4860925"/>
   <p:notesSz cx="6858000" cy="9144000"/>
   <p:defaultTextStyle>
     <a:lvl1pPr>
@@ -89,13 +89,14 @@
 </p:presentation>
 </file>
 
-<file path=ppt/commentAuthors.xml><?xml version="1.0" encoding="utf-8"?>
-<p:cmAuthorLst xmlns:a="http://schemas.openxmlformats.org/drawingml/2006/main" xmlns:r="http://schemas.openxmlformats.org/officeDocument/2006/relationships" xmlns:p="http://schemas.openxmlformats.org/presentationml/2006/main"/>
-</file>
-
 <file path=ppt/notesMasters/notesMaster1.xml><?xml version="1.0" encoding="utf-8"?>
 <p:notesMaster xmlns:a="http://schemas.openxmlformats.org/drawingml/2006/main" xmlns:r="http://schemas.openxmlformats.org/officeDocument/2006/relationships" xmlns:p="http://schemas.openxmlformats.org/presentationml/2006/main">
   <p:cSld>
+    <p:bg>
+      <p:bgRef idx="1001">
+        <a:schemeClr val="bg1"/>
+      </p:bgRef>
+    </p:bg>
     <p:spTree>
       <p:nvGrpSpPr>
         <p:cNvPr id="1" name=""/>
@@ -113,15 +114,17 @@
       <p:sp>
         <p:nvSpPr>
           <p:cNvPr id="46" name="Shape 46"/>
-          <p:cNvSpPr/>
+          <p:cNvSpPr>
+            <a:spLocks noGrp="1" noRot="1" noChangeAspect="1"/>
+          </p:cNvSpPr>
           <p:nvPr>
             <p:ph type="sldImg"/>
           </p:nvPr>
         </p:nvSpPr>
         <p:spPr>
           <a:xfrm>
-            <a:off x="1143000" y="685800"/>
-            <a:ext cx="4572000" cy="3429000"/>
+            <a:off x="180975" y="685800"/>
+            <a:ext cx="6496050" cy="3429000"/>
           </a:xfrm>
           <a:prstGeom prst="rect">
             <a:avLst/>
@@ -132,13 +135,16 @@
           <a:lstStyle/>
           <a:p>
             <a:pPr lvl="0"/>
+            <a:endParaRPr/>
           </a:p>
         </p:txBody>
       </p:sp>
       <p:sp>
         <p:nvSpPr>
           <p:cNvPr id="47" name="Shape 47"/>
-          <p:cNvSpPr/>
+          <p:cNvSpPr>
+            <a:spLocks noGrp="1"/>
+          </p:cNvSpPr>
           <p:nvPr>
             <p:ph type="body" sz="quarter" idx="1"/>
           </p:nvPr>
@@ -157,10 +163,16 @@
           <a:lstStyle/>
           <a:p>
             <a:pPr lvl="0"/>
+            <a:endParaRPr/>
           </a:p>
         </p:txBody>
       </p:sp>
     </p:spTree>
+    <p:extLst>
+      <p:ext uri="{BB962C8B-B14F-4D97-AF65-F5344CB8AC3E}">
+        <p14:creationId xmlns:p14="http://schemas.microsoft.com/office/powerpoint/2010/main" val="1335434960"/>
+      </p:ext>
+    </p:extLst>
   </p:cSld>
   <p:clrMap bg1="lt1" tx1="dk1" bg2="lt2" tx2="dk2" accent1="accent1" accent2="accent2" accent3="accent3" accent4="accent4" accent5="accent5" accent6="accent6" hlink="hlink" folHlink="folHlink"/>
   <p:notesStyle>
@@ -268,7 +280,7 @@
 </file>
 
 <file path=ppt/slideLayouts/slideLayout1.xml><?xml version="1.0" encoding="utf-8"?>
-<p:sldLayout xmlns:a="http://schemas.openxmlformats.org/drawingml/2006/main" xmlns:r="http://schemas.openxmlformats.org/officeDocument/2006/relationships" xmlns:p="http://schemas.openxmlformats.org/presentationml/2006/main" type="tx" showMasterSp="1" showMasterPhAnim="1">
+<p:sldLayout xmlns:a="http://schemas.openxmlformats.org/drawingml/2006/main" xmlns:r="http://schemas.openxmlformats.org/officeDocument/2006/relationships" xmlns:p="http://schemas.openxmlformats.org/presentationml/2006/main" type="tx">
   <p:cSld name="タイトル スライド">
     <p:spTree>
       <p:nvGrpSpPr>
@@ -287,15 +299,17 @@
       <p:sp>
         <p:nvSpPr>
           <p:cNvPr id="6" name="Shape 6"/>
-          <p:cNvSpPr/>
+          <p:cNvSpPr>
+            <a:spLocks noGrp="1"/>
+          </p:cNvSpPr>
           <p:nvPr>
             <p:ph type="title"/>
           </p:nvPr>
         </p:nvSpPr>
         <p:spPr>
           <a:xfrm>
-            <a:off x="695974" y="1188536"/>
-            <a:ext cx="7815552" cy="1293491"/>
+            <a:off x="695974" y="1318587"/>
+            <a:ext cx="7815552" cy="1435025"/>
           </a:xfrm>
           <a:prstGeom prst="rect">
             <a:avLst/>
@@ -318,15 +332,17 @@
       <p:sp>
         <p:nvSpPr>
           <p:cNvPr id="7" name="Shape 7"/>
-          <p:cNvSpPr/>
+          <p:cNvSpPr>
+            <a:spLocks noGrp="1"/>
+          </p:cNvSpPr>
           <p:nvPr>
             <p:ph type="body" idx="1"/>
           </p:nvPr>
         </p:nvSpPr>
         <p:spPr>
           <a:xfrm>
-            <a:off x="1385582" y="2482025"/>
-            <a:ext cx="6436336" cy="1879713"/>
+            <a:off x="1385582" y="2753610"/>
+            <a:ext cx="6436336" cy="2085391"/>
           </a:xfrm>
           <a:prstGeom prst="rect">
             <a:avLst/>
@@ -368,7 +384,9 @@
       <p:sp>
         <p:nvSpPr>
           <p:cNvPr id="8" name="Shape 8"/>
-          <p:cNvSpPr/>
+          <p:cNvSpPr>
+            <a:spLocks noGrp="1"/>
+          </p:cNvSpPr>
           <p:nvPr>
             <p:ph type="sldNum" sz="quarter" idx="2"/>
           </p:nvPr>
@@ -383,7 +401,10 @@
           <a:lstStyle/>
           <a:p>
             <a:pPr lvl="0"/>
-            <a:fld id="{86CB4B4D-7CA3-9044-876B-883B54F8677D}" type="slidenum"/>
+            <a:fld id="{86CB4B4D-7CA3-9044-876B-883B54F8677D}" type="slidenum">
+              <a:t>‹#›</a:t>
+            </a:fld>
+            <a:endParaRPr/>
           </a:p>
         </p:txBody>
       </p:sp>
@@ -392,12 +413,12 @@
   <p:clrMapOvr>
     <a:masterClrMapping/>
   </p:clrMapOvr>
-  <p:transition spd="med" advClick="1"/>
+  <p:transition spd="med"/>
 </p:sldLayout>
 </file>
 
 <file path=ppt/slideLayouts/slideLayout10.xml><?xml version="1.0" encoding="utf-8"?>
-<p:sldLayout xmlns:a="http://schemas.openxmlformats.org/drawingml/2006/main" xmlns:r="http://schemas.openxmlformats.org/officeDocument/2006/relationships" xmlns:p="http://schemas.openxmlformats.org/presentationml/2006/main" type="tx" showMasterSp="1" showMasterPhAnim="1">
+<p:sldLayout xmlns:a="http://schemas.openxmlformats.org/drawingml/2006/main" xmlns:r="http://schemas.openxmlformats.org/officeDocument/2006/relationships" xmlns:p="http://schemas.openxmlformats.org/presentationml/2006/main" type="tx">
   <p:cSld name="タイトルと縦書きテキスト">
     <p:spTree>
       <p:nvGrpSpPr>
@@ -416,7 +437,9 @@
       <p:sp>
         <p:nvSpPr>
           <p:cNvPr id="39" name="Shape 39"/>
-          <p:cNvSpPr/>
+          <p:cNvSpPr>
+            <a:spLocks noGrp="1"/>
+          </p:cNvSpPr>
           <p:nvPr>
             <p:ph type="title"/>
           </p:nvPr>
@@ -443,7 +466,9 @@
       <p:sp>
         <p:nvSpPr>
           <p:cNvPr id="40" name="Shape 40"/>
-          <p:cNvSpPr/>
+          <p:cNvSpPr>
+            <a:spLocks noGrp="1"/>
+          </p:cNvSpPr>
           <p:nvPr>
             <p:ph type="body" idx="1"/>
           </p:nvPr>
@@ -464,7 +489,6 @@
               <a:rPr sz="3200"/>
               <a:t>マスタ テキストの書式設定</a:t>
             </a:r>
-            <a:endParaRPr sz="3200"/>
           </a:p>
           <a:p>
             <a:pPr lvl="1">
@@ -474,7 +498,6 @@
               <a:rPr sz="3200"/>
               <a:t>第 2 レベル</a:t>
             </a:r>
-            <a:endParaRPr sz="3200"/>
           </a:p>
           <a:p>
             <a:pPr lvl="2">
@@ -484,7 +507,6 @@
               <a:rPr sz="3200"/>
               <a:t>第 3 レベル</a:t>
             </a:r>
-            <a:endParaRPr sz="3200"/>
           </a:p>
           <a:p>
             <a:pPr lvl="3">
@@ -494,7 +516,6 @@
               <a:rPr sz="3200"/>
               <a:t>第 4 レベル</a:t>
             </a:r>
-            <a:endParaRPr sz="3200"/>
           </a:p>
           <a:p>
             <a:pPr lvl="4">
@@ -510,7 +531,9 @@
       <p:sp>
         <p:nvSpPr>
           <p:cNvPr id="41" name="Shape 41"/>
-          <p:cNvSpPr/>
+          <p:cNvSpPr>
+            <a:spLocks noGrp="1"/>
+          </p:cNvSpPr>
           <p:nvPr>
             <p:ph type="sldNum" sz="quarter" idx="2"/>
           </p:nvPr>
@@ -525,7 +548,10 @@
           <a:lstStyle/>
           <a:p>
             <a:pPr lvl="0"/>
-            <a:fld id="{86CB4B4D-7CA3-9044-876B-883B54F8677D}" type="slidenum"/>
+            <a:fld id="{86CB4B4D-7CA3-9044-876B-883B54F8677D}" type="slidenum">
+              <a:t>‹#›</a:t>
+            </a:fld>
+            <a:endParaRPr/>
           </a:p>
         </p:txBody>
       </p:sp>
@@ -534,12 +560,12 @@
   <p:clrMapOvr>
     <a:masterClrMapping/>
   </p:clrMapOvr>
-  <p:transition spd="med" advClick="1"/>
+  <p:transition spd="med"/>
 </p:sldLayout>
 </file>
 
 <file path=ppt/slideLayouts/slideLayout11.xml><?xml version="1.0" encoding="utf-8"?>
-<p:sldLayout xmlns:a="http://schemas.openxmlformats.org/drawingml/2006/main" xmlns:r="http://schemas.openxmlformats.org/officeDocument/2006/relationships" xmlns:p="http://schemas.openxmlformats.org/presentationml/2006/main" type="tx" showMasterSp="1" showMasterPhAnim="1">
+<p:sldLayout xmlns:a="http://schemas.openxmlformats.org/drawingml/2006/main" xmlns:r="http://schemas.openxmlformats.org/officeDocument/2006/relationships" xmlns:p="http://schemas.openxmlformats.org/presentationml/2006/main" type="tx">
   <p:cSld name="縦書きタイトルと縦書きテキスト">
     <p:spTree>
       <p:nvGrpSpPr>
@@ -558,15 +584,17 @@
       <p:sp>
         <p:nvSpPr>
           <p:cNvPr id="43" name="Shape 43"/>
-          <p:cNvSpPr/>
+          <p:cNvSpPr>
+            <a:spLocks noGrp="1"/>
+          </p:cNvSpPr>
           <p:nvPr>
             <p:ph type="title"/>
           </p:nvPr>
         </p:nvSpPr>
         <p:spPr>
           <a:xfrm>
-            <a:off x="6672572" y="19763"/>
-            <a:ext cx="2068823" cy="4055494"/>
+            <a:off x="6672574" y="21925"/>
+            <a:ext cx="2068823" cy="4499248"/>
           </a:xfrm>
           <a:prstGeom prst="rect">
             <a:avLst/>
@@ -589,15 +617,17 @@
       <p:sp>
         <p:nvSpPr>
           <p:cNvPr id="44" name="Shape 44"/>
-          <p:cNvSpPr/>
+          <p:cNvSpPr>
+            <a:spLocks noGrp="1"/>
+          </p:cNvSpPr>
           <p:nvPr>
             <p:ph type="body" idx="1"/>
           </p:nvPr>
         </p:nvSpPr>
         <p:spPr>
           <a:xfrm>
-            <a:off x="466105" y="193772"/>
-            <a:ext cx="6053222" cy="4167966"/>
+            <a:off x="466105" y="214975"/>
+            <a:ext cx="6053222" cy="4624026"/>
           </a:xfrm>
           <a:prstGeom prst="rect">
             <a:avLst/>
@@ -614,7 +644,6 @@
               <a:rPr sz="3200"/>
               <a:t>マスタ テキストの書式設定</a:t>
             </a:r>
-            <a:endParaRPr sz="3200"/>
           </a:p>
           <a:p>
             <a:pPr lvl="1">
@@ -624,7 +653,6 @@
               <a:rPr sz="3200"/>
               <a:t>第 2 レベル</a:t>
             </a:r>
-            <a:endParaRPr sz="3200"/>
           </a:p>
           <a:p>
             <a:pPr lvl="2">
@@ -634,7 +662,6 @@
               <a:rPr sz="3200"/>
               <a:t>第 3 レベル</a:t>
             </a:r>
-            <a:endParaRPr sz="3200"/>
           </a:p>
           <a:p>
             <a:pPr lvl="3">
@@ -644,7 +671,6 @@
               <a:rPr sz="3200"/>
               <a:t>第 4 レベル</a:t>
             </a:r>
-            <a:endParaRPr sz="3200"/>
           </a:p>
           <a:p>
             <a:pPr lvl="4">
@@ -660,7 +686,9 @@
       <p:sp>
         <p:nvSpPr>
           <p:cNvPr id="45" name="Shape 45"/>
-          <p:cNvSpPr/>
+          <p:cNvSpPr>
+            <a:spLocks noGrp="1"/>
+          </p:cNvSpPr>
           <p:nvPr>
             <p:ph type="sldNum" sz="quarter" idx="2"/>
           </p:nvPr>
@@ -675,7 +703,10 @@
           <a:lstStyle/>
           <a:p>
             <a:pPr lvl="0"/>
-            <a:fld id="{86CB4B4D-7CA3-9044-876B-883B54F8677D}" type="slidenum"/>
+            <a:fld id="{86CB4B4D-7CA3-9044-876B-883B54F8677D}" type="slidenum">
+              <a:t>‹#›</a:t>
+            </a:fld>
+            <a:endParaRPr/>
           </a:p>
         </p:txBody>
       </p:sp>
@@ -684,12 +715,12 @@
   <p:clrMapOvr>
     <a:masterClrMapping/>
   </p:clrMapOvr>
-  <p:transition spd="med" advClick="1"/>
+  <p:transition spd="med"/>
 </p:sldLayout>
 </file>
 
 <file path=ppt/slideLayouts/slideLayout2.xml><?xml version="1.0" encoding="utf-8"?>
-<p:sldLayout xmlns:a="http://schemas.openxmlformats.org/drawingml/2006/main" xmlns:r="http://schemas.openxmlformats.org/officeDocument/2006/relationships" xmlns:p="http://schemas.openxmlformats.org/presentationml/2006/main" type="tx" showMasterSp="1" showMasterPhAnim="1">
+<p:sldLayout xmlns:a="http://schemas.openxmlformats.org/drawingml/2006/main" xmlns:r="http://schemas.openxmlformats.org/officeDocument/2006/relationships" xmlns:p="http://schemas.openxmlformats.org/presentationml/2006/main" type="tx">
   <p:cSld name="タイトルとコンテンツ">
     <p:spTree>
       <p:nvGrpSpPr>
@@ -708,7 +739,9 @@
       <p:sp>
         <p:nvSpPr>
           <p:cNvPr id="10" name="Shape 10"/>
-          <p:cNvSpPr/>
+          <p:cNvSpPr>
+            <a:spLocks noGrp="1"/>
+          </p:cNvSpPr>
           <p:nvPr>
             <p:ph type="title"/>
           </p:nvPr>
@@ -735,7 +768,9 @@
       <p:sp>
         <p:nvSpPr>
           <p:cNvPr id="11" name="Shape 11"/>
-          <p:cNvSpPr/>
+          <p:cNvSpPr>
+            <a:spLocks noGrp="1"/>
+          </p:cNvSpPr>
           <p:nvPr>
             <p:ph type="body" idx="1"/>
           </p:nvPr>
@@ -756,7 +791,6 @@
               <a:rPr sz="3200"/>
               <a:t>マスタ テキストの書式設定</a:t>
             </a:r>
-            <a:endParaRPr sz="3200"/>
           </a:p>
           <a:p>
             <a:pPr lvl="1">
@@ -766,7 +800,6 @@
               <a:rPr sz="3200"/>
               <a:t>第 2 レベル</a:t>
             </a:r>
-            <a:endParaRPr sz="3200"/>
           </a:p>
           <a:p>
             <a:pPr lvl="2">
@@ -776,7 +809,6 @@
               <a:rPr sz="3200"/>
               <a:t>第 3 レベル</a:t>
             </a:r>
-            <a:endParaRPr sz="3200"/>
           </a:p>
           <a:p>
             <a:pPr lvl="3">
@@ -786,7 +818,6 @@
               <a:rPr sz="3200"/>
               <a:t>第 4 レベル</a:t>
             </a:r>
-            <a:endParaRPr sz="3200"/>
           </a:p>
           <a:p>
             <a:pPr lvl="4">
@@ -802,7 +833,9 @@
       <p:sp>
         <p:nvSpPr>
           <p:cNvPr id="12" name="Shape 12"/>
-          <p:cNvSpPr/>
+          <p:cNvSpPr>
+            <a:spLocks noGrp="1"/>
+          </p:cNvSpPr>
           <p:nvPr>
             <p:ph type="sldNum" sz="quarter" idx="2"/>
           </p:nvPr>
@@ -817,7 +850,10 @@
           <a:lstStyle/>
           <a:p>
             <a:pPr lvl="0"/>
-            <a:fld id="{86CB4B4D-7CA3-9044-876B-883B54F8677D}" type="slidenum"/>
+            <a:fld id="{86CB4B4D-7CA3-9044-876B-883B54F8677D}" type="slidenum">
+              <a:t>‹#›</a:t>
+            </a:fld>
+            <a:endParaRPr/>
           </a:p>
         </p:txBody>
       </p:sp>
@@ -826,12 +862,12 @@
   <p:clrMapOvr>
     <a:masterClrMapping/>
   </p:clrMapOvr>
-  <p:transition spd="med" advClick="1"/>
+  <p:transition spd="med"/>
 </p:sldLayout>
 </file>
 
 <file path=ppt/slideLayouts/slideLayout3.xml><?xml version="1.0" encoding="utf-8"?>
-<p:sldLayout xmlns:a="http://schemas.openxmlformats.org/drawingml/2006/main" xmlns:r="http://schemas.openxmlformats.org/officeDocument/2006/relationships" xmlns:p="http://schemas.openxmlformats.org/presentationml/2006/main" type="tx" showMasterSp="1" showMasterPhAnim="1">
+<p:sldLayout xmlns:a="http://schemas.openxmlformats.org/drawingml/2006/main" xmlns:r="http://schemas.openxmlformats.org/officeDocument/2006/relationships" xmlns:p="http://schemas.openxmlformats.org/presentationml/2006/main" type="tx">
   <p:cSld name="セクション見出し">
     <p:spTree>
       <p:nvGrpSpPr>
@@ -850,15 +886,17 @@
       <p:sp>
         <p:nvSpPr>
           <p:cNvPr id="14" name="Shape 14"/>
-          <p:cNvSpPr/>
+          <p:cNvSpPr>
+            <a:spLocks noGrp="1"/>
+          </p:cNvSpPr>
           <p:nvPr>
             <p:ph type="title"/>
           </p:nvPr>
         </p:nvSpPr>
         <p:spPr>
           <a:xfrm>
-            <a:off x="732689" y="2811932"/>
-            <a:ext cx="7815552" cy="863002"/>
+            <a:off x="732689" y="3119614"/>
+            <a:ext cx="7815552" cy="957432"/>
           </a:xfrm>
           <a:prstGeom prst="rect">
             <a:avLst/>
@@ -868,15 +906,15 @@
           <a:bodyPr anchor="t"/>
           <a:lstStyle>
             <a:lvl1pPr algn="l">
-              <a:defRPr b="1" cap="all" sz="4000"/>
+              <a:defRPr sz="4000" b="1" cap="all"/>
             </a:lvl1pPr>
           </a:lstStyle>
           <a:p>
             <a:pPr lvl="0">
-              <a:defRPr b="0" cap="none" sz="1800"/>
+              <a:defRPr sz="1800" b="0" cap="none"/>
             </a:pPr>
             <a:r>
-              <a:rPr b="1" cap="all" sz="4000"/>
+              <a:rPr sz="4000" b="1" cap="all"/>
               <a:t>マスタ タイトルの書式設定</a:t>
             </a:r>
           </a:p>
@@ -885,15 +923,17 @@
       <p:sp>
         <p:nvSpPr>
           <p:cNvPr id="15" name="Shape 15"/>
-          <p:cNvSpPr/>
+          <p:cNvSpPr>
+            <a:spLocks noGrp="1"/>
+          </p:cNvSpPr>
           <p:nvPr>
             <p:ph type="body" idx="1"/>
           </p:nvPr>
         </p:nvSpPr>
         <p:spPr>
           <a:xfrm>
-            <a:off x="732689" y="1861431"/>
-            <a:ext cx="7815552" cy="950508"/>
+            <a:off x="732689" y="2065110"/>
+            <a:ext cx="7815552" cy="1054513"/>
           </a:xfrm>
           <a:prstGeom prst="rect">
             <a:avLst/>
@@ -938,7 +978,9 @@
       <p:sp>
         <p:nvSpPr>
           <p:cNvPr id="16" name="Shape 16"/>
-          <p:cNvSpPr/>
+          <p:cNvSpPr>
+            <a:spLocks noGrp="1"/>
+          </p:cNvSpPr>
           <p:nvPr>
             <p:ph type="sldNum" sz="quarter" idx="2"/>
           </p:nvPr>
@@ -953,7 +995,10 @@
           <a:lstStyle/>
           <a:p>
             <a:pPr lvl="0"/>
-            <a:fld id="{86CB4B4D-7CA3-9044-876B-883B54F8677D}" type="slidenum"/>
+            <a:fld id="{86CB4B4D-7CA3-9044-876B-883B54F8677D}" type="slidenum">
+              <a:t>‹#›</a:t>
+            </a:fld>
+            <a:endParaRPr/>
           </a:p>
         </p:txBody>
       </p:sp>
@@ -962,12 +1007,12 @@
   <p:clrMapOvr>
     <a:masterClrMapping/>
   </p:clrMapOvr>
-  <p:transition spd="med" advClick="1"/>
+  <p:transition spd="med"/>
 </p:sldLayout>
 </file>
 
 <file path=ppt/slideLayouts/slideLayout4.xml><?xml version="1.0" encoding="utf-8"?>
-<p:sldLayout xmlns:a="http://schemas.openxmlformats.org/drawingml/2006/main" xmlns:r="http://schemas.openxmlformats.org/officeDocument/2006/relationships" xmlns:p="http://schemas.openxmlformats.org/presentationml/2006/main" type="tx" showMasterSp="1" showMasterPhAnim="1">
+<p:sldLayout xmlns:a="http://schemas.openxmlformats.org/drawingml/2006/main" xmlns:r="http://schemas.openxmlformats.org/officeDocument/2006/relationships" xmlns:p="http://schemas.openxmlformats.org/presentationml/2006/main" type="tx">
   <p:cSld name="2 つのコンテンツ">
     <p:spTree>
       <p:nvGrpSpPr>
@@ -986,7 +1031,9 @@
       <p:sp>
         <p:nvSpPr>
           <p:cNvPr id="18" name="Shape 18"/>
-          <p:cNvSpPr/>
+          <p:cNvSpPr>
+            <a:spLocks noGrp="1"/>
+          </p:cNvSpPr>
           <p:nvPr>
             <p:ph type="title"/>
           </p:nvPr>
@@ -1013,15 +1060,17 @@
       <p:sp>
         <p:nvSpPr>
           <p:cNvPr id="19" name="Shape 19"/>
-          <p:cNvSpPr/>
+          <p:cNvSpPr>
+            <a:spLocks noGrp="1"/>
+          </p:cNvSpPr>
           <p:nvPr>
             <p:ph type="body" idx="1"/>
           </p:nvPr>
         </p:nvSpPr>
         <p:spPr>
           <a:xfrm>
-            <a:off x="466105" y="1033632"/>
-            <a:ext cx="4061022" cy="3328105"/>
+            <a:off x="466105" y="1146733"/>
+            <a:ext cx="4061022" cy="3692267"/>
           </a:xfrm>
           <a:prstGeom prst="rect">
             <a:avLst/>
@@ -1069,7 +1118,6 @@
               <a:rPr sz="2800"/>
               <a:t>マスタ テキストの書式設定</a:t>
             </a:r>
-            <a:endParaRPr sz="2800"/>
           </a:p>
           <a:p>
             <a:pPr lvl="1">
@@ -1079,7 +1127,6 @@
               <a:rPr sz="2800"/>
               <a:t>第 2 レベル</a:t>
             </a:r>
-            <a:endParaRPr sz="2800"/>
           </a:p>
           <a:p>
             <a:pPr lvl="2">
@@ -1089,7 +1136,6 @@
               <a:rPr sz="2800"/>
               <a:t>第 3 レベル</a:t>
             </a:r>
-            <a:endParaRPr sz="2800"/>
           </a:p>
           <a:p>
             <a:pPr lvl="3">
@@ -1099,7 +1145,6 @@
               <a:rPr sz="2800"/>
               <a:t>第 4 レベル</a:t>
             </a:r>
-            <a:endParaRPr sz="2800"/>
           </a:p>
           <a:p>
             <a:pPr lvl="4">
@@ -1115,7 +1160,9 @@
       <p:sp>
         <p:nvSpPr>
           <p:cNvPr id="20" name="Shape 20"/>
-          <p:cNvSpPr/>
+          <p:cNvSpPr>
+            <a:spLocks noGrp="1"/>
+          </p:cNvSpPr>
           <p:nvPr>
             <p:ph type="sldNum" sz="quarter" idx="2"/>
           </p:nvPr>
@@ -1130,7 +1177,10 @@
           <a:lstStyle/>
           <a:p>
             <a:pPr lvl="0"/>
-            <a:fld id="{86CB4B4D-7CA3-9044-876B-883B54F8677D}" type="slidenum"/>
+            <a:fld id="{86CB4B4D-7CA3-9044-876B-883B54F8677D}" type="slidenum">
+              <a:t>‹#›</a:t>
+            </a:fld>
+            <a:endParaRPr/>
           </a:p>
         </p:txBody>
       </p:sp>
@@ -1139,12 +1189,12 @@
   <p:clrMapOvr>
     <a:masterClrMapping/>
   </p:clrMapOvr>
-  <p:transition spd="med" advClick="1"/>
+  <p:transition spd="med"/>
 </p:sldLayout>
 </file>
 
 <file path=ppt/slideLayouts/slideLayout5.xml><?xml version="1.0" encoding="utf-8"?>
-<p:sldLayout xmlns:a="http://schemas.openxmlformats.org/drawingml/2006/main" xmlns:r="http://schemas.openxmlformats.org/officeDocument/2006/relationships" xmlns:p="http://schemas.openxmlformats.org/presentationml/2006/main" type="tx" showMasterSp="1" showMasterPhAnim="1">
+<p:sldLayout xmlns:a="http://schemas.openxmlformats.org/drawingml/2006/main" xmlns:r="http://schemas.openxmlformats.org/officeDocument/2006/relationships" xmlns:p="http://schemas.openxmlformats.org/presentationml/2006/main" type="tx">
   <p:cSld name="比較">
     <p:spTree>
       <p:nvGrpSpPr>
@@ -1163,15 +1213,17 @@
       <p:sp>
         <p:nvSpPr>
           <p:cNvPr id="22" name="Shape 22"/>
-          <p:cNvSpPr/>
+          <p:cNvSpPr>
+            <a:spLocks noGrp="1"/>
+          </p:cNvSpPr>
           <p:nvPr>
             <p:ph type="title"/>
           </p:nvPr>
         </p:nvSpPr>
         <p:spPr>
           <a:xfrm>
-            <a:off x="466105" y="182477"/>
-            <a:ext cx="8275290" cy="746788"/>
+            <a:off x="466105" y="202444"/>
+            <a:ext cx="8275290" cy="828502"/>
           </a:xfrm>
           <a:prstGeom prst="rect">
             <a:avLst/>
@@ -1194,15 +1246,17 @@
       <p:sp>
         <p:nvSpPr>
           <p:cNvPr id="23" name="Shape 23"/>
-          <p:cNvSpPr/>
+          <p:cNvSpPr>
+            <a:spLocks noGrp="1"/>
+          </p:cNvSpPr>
           <p:nvPr>
             <p:ph type="body" idx="1"/>
           </p:nvPr>
         </p:nvSpPr>
         <p:spPr>
           <a:xfrm>
-            <a:off x="466105" y="929261"/>
-            <a:ext cx="4062619" cy="468484"/>
+            <a:off x="466107" y="1030942"/>
+            <a:ext cx="4062619" cy="519745"/>
           </a:xfrm>
           <a:prstGeom prst="rect">
             <a:avLst/>
@@ -1218,15 +1272,15 @@
               <a:buSzTx/>
               <a:buFontTx/>
               <a:buNone/>
-              <a:defRPr b="1" sz="2400"/>
+              <a:defRPr sz="2400" b="1"/>
             </a:lvl1pPr>
           </a:lstStyle>
           <a:p>
             <a:pPr lvl="0">
-              <a:defRPr b="0" sz="1800"/>
+              <a:defRPr sz="1800" b="0"/>
             </a:pPr>
             <a:r>
-              <a:rPr b="1" sz="2400"/>
+              <a:rPr sz="2400" b="1"/>
               <a:t>マスタ テキストの書式設定</a:t>
             </a:r>
           </a:p>
@@ -1235,7 +1289,9 @@
       <p:sp>
         <p:nvSpPr>
           <p:cNvPr id="24" name="Shape 24"/>
-          <p:cNvSpPr/>
+          <p:cNvSpPr>
+            <a:spLocks noGrp="1"/>
+          </p:cNvSpPr>
           <p:nvPr>
             <p:ph type="sldNum" sz="quarter" idx="2"/>
           </p:nvPr>
@@ -1250,7 +1306,10 @@
           <a:lstStyle/>
           <a:p>
             <a:pPr lvl="0"/>
-            <a:fld id="{86CB4B4D-7CA3-9044-876B-883B54F8677D}" type="slidenum"/>
+            <a:fld id="{86CB4B4D-7CA3-9044-876B-883B54F8677D}" type="slidenum">
+              <a:t>‹#›</a:t>
+            </a:fld>
+            <a:endParaRPr/>
           </a:p>
         </p:txBody>
       </p:sp>
@@ -1259,12 +1318,12 @@
   <p:clrMapOvr>
     <a:masterClrMapping/>
   </p:clrMapOvr>
-  <p:transition spd="med" advClick="1"/>
+  <p:transition spd="med"/>
 </p:sldLayout>
 </file>
 
 <file path=ppt/slideLayouts/slideLayout6.xml><?xml version="1.0" encoding="utf-8"?>
-<p:sldLayout xmlns:a="http://schemas.openxmlformats.org/drawingml/2006/main" xmlns:r="http://schemas.openxmlformats.org/officeDocument/2006/relationships" xmlns:p="http://schemas.openxmlformats.org/presentationml/2006/main" type="tx" showMasterSp="1" showMasterPhAnim="1">
+<p:sldLayout xmlns:a="http://schemas.openxmlformats.org/drawingml/2006/main" xmlns:r="http://schemas.openxmlformats.org/officeDocument/2006/relationships" xmlns:p="http://schemas.openxmlformats.org/presentationml/2006/main" type="tx">
   <p:cSld name="タイトルのみ">
     <p:spTree>
       <p:nvGrpSpPr>
@@ -1283,15 +1342,17 @@
       <p:sp>
         <p:nvSpPr>
           <p:cNvPr id="26" name="Shape 26"/>
-          <p:cNvSpPr/>
+          <p:cNvSpPr>
+            <a:spLocks noGrp="1"/>
+          </p:cNvSpPr>
           <p:nvPr>
             <p:ph type="title"/>
           </p:nvPr>
         </p:nvSpPr>
         <p:spPr>
           <a:xfrm>
-            <a:off x="466105" y="19763"/>
-            <a:ext cx="8275290" cy="1072215"/>
+            <a:off x="466105" y="21926"/>
+            <a:ext cx="8275290" cy="1189537"/>
           </a:xfrm>
           <a:prstGeom prst="rect">
             <a:avLst/>
@@ -1314,7 +1375,9 @@
       <p:sp>
         <p:nvSpPr>
           <p:cNvPr id="27" name="Shape 27"/>
-          <p:cNvSpPr/>
+          <p:cNvSpPr>
+            <a:spLocks noGrp="1"/>
+          </p:cNvSpPr>
           <p:nvPr>
             <p:ph type="sldNum" sz="quarter" idx="2"/>
           </p:nvPr>
@@ -1329,7 +1392,10 @@
           <a:lstStyle/>
           <a:p>
             <a:pPr lvl="0"/>
-            <a:fld id="{86CB4B4D-7CA3-9044-876B-883B54F8677D}" type="slidenum"/>
+            <a:fld id="{86CB4B4D-7CA3-9044-876B-883B54F8677D}" type="slidenum">
+              <a:t>‹#›</a:t>
+            </a:fld>
+            <a:endParaRPr/>
           </a:p>
         </p:txBody>
       </p:sp>
@@ -1338,12 +1404,12 @@
   <p:clrMapOvr>
     <a:masterClrMapping/>
   </p:clrMapOvr>
-  <p:transition spd="med" advClick="1"/>
+  <p:transition spd="med"/>
 </p:sldLayout>
 </file>
 
 <file path=ppt/slideLayouts/slideLayout7.xml><?xml version="1.0" encoding="utf-8"?>
-<p:sldLayout xmlns:a="http://schemas.openxmlformats.org/drawingml/2006/main" xmlns:r="http://schemas.openxmlformats.org/officeDocument/2006/relationships" xmlns:p="http://schemas.openxmlformats.org/presentationml/2006/main" type="tx" showMasterSp="1" showMasterPhAnim="1">
+<p:sldLayout xmlns:a="http://schemas.openxmlformats.org/drawingml/2006/main" xmlns:r="http://schemas.openxmlformats.org/officeDocument/2006/relationships" xmlns:p="http://schemas.openxmlformats.org/presentationml/2006/main" type="tx">
   <p:cSld name="白紙">
     <p:spTree>
       <p:nvGrpSpPr>
@@ -1362,7 +1428,9 @@
       <p:sp>
         <p:nvSpPr>
           <p:cNvPr id="29" name="Shape 29"/>
-          <p:cNvSpPr/>
+          <p:cNvSpPr>
+            <a:spLocks noGrp="1"/>
+          </p:cNvSpPr>
           <p:nvPr>
             <p:ph type="sldNum" sz="quarter" idx="2"/>
           </p:nvPr>
@@ -1377,7 +1445,10 @@
           <a:lstStyle/>
           <a:p>
             <a:pPr lvl="0"/>
-            <a:fld id="{86CB4B4D-7CA3-9044-876B-883B54F8677D}" type="slidenum"/>
+            <a:fld id="{86CB4B4D-7CA3-9044-876B-883B54F8677D}" type="slidenum">
+              <a:t>‹#›</a:t>
+            </a:fld>
+            <a:endParaRPr/>
           </a:p>
         </p:txBody>
       </p:sp>
@@ -1386,12 +1457,12 @@
   <p:clrMapOvr>
     <a:masterClrMapping/>
   </p:clrMapOvr>
-  <p:transition spd="med" advClick="1"/>
+  <p:transition spd="med"/>
 </p:sldLayout>
 </file>
 
 <file path=ppt/slideLayouts/slideLayout8.xml><?xml version="1.0" encoding="utf-8"?>
-<p:sldLayout xmlns:a="http://schemas.openxmlformats.org/drawingml/2006/main" xmlns:r="http://schemas.openxmlformats.org/officeDocument/2006/relationships" xmlns:p="http://schemas.openxmlformats.org/presentationml/2006/main" type="tx" showMasterSp="1" showMasterPhAnim="1">
+<p:sldLayout xmlns:a="http://schemas.openxmlformats.org/drawingml/2006/main" xmlns:r="http://schemas.openxmlformats.org/officeDocument/2006/relationships" xmlns:p="http://schemas.openxmlformats.org/presentationml/2006/main" type="tx">
   <p:cSld name="タイトル付きのコンテンツ">
     <p:spTree>
       <p:nvGrpSpPr>
@@ -1410,15 +1481,17 @@
       <p:sp>
         <p:nvSpPr>
           <p:cNvPr id="31" name="Shape 31"/>
-          <p:cNvSpPr/>
+          <p:cNvSpPr>
+            <a:spLocks noGrp="1"/>
+          </p:cNvSpPr>
           <p:nvPr>
             <p:ph type="title"/>
           </p:nvPr>
         </p:nvSpPr>
         <p:spPr>
           <a:xfrm>
-            <a:off x="466109" y="19763"/>
-            <a:ext cx="3025019" cy="909270"/>
+            <a:off x="466111" y="21925"/>
+            <a:ext cx="3025019" cy="1008763"/>
           </a:xfrm>
           <a:prstGeom prst="rect">
             <a:avLst/>
@@ -1428,15 +1501,15 @@
           <a:bodyPr anchor="b"/>
           <a:lstStyle>
             <a:lvl1pPr algn="l">
-              <a:defRPr b="1" sz="2000"/>
+              <a:defRPr sz="2000" b="1"/>
             </a:lvl1pPr>
           </a:lstStyle>
           <a:p>
             <a:pPr lvl="0">
-              <a:defRPr b="0" sz="1800"/>
+              <a:defRPr sz="1800" b="0"/>
             </a:pPr>
             <a:r>
-              <a:rPr b="1" sz="2000"/>
+              <a:rPr sz="2000" b="1"/>
               <a:t>マスタ タイトルの書式設定</a:t>
             </a:r>
           </a:p>
@@ -1445,15 +1518,17 @@
       <p:sp>
         <p:nvSpPr>
           <p:cNvPr id="32" name="Shape 32"/>
-          <p:cNvSpPr/>
+          <p:cNvSpPr>
+            <a:spLocks noGrp="1"/>
+          </p:cNvSpPr>
           <p:nvPr>
             <p:ph type="body" idx="1"/>
           </p:nvPr>
         </p:nvSpPr>
         <p:spPr>
           <a:xfrm>
-            <a:off x="3601265" y="192766"/>
-            <a:ext cx="5140130" cy="4168971"/>
+            <a:off x="3601265" y="213859"/>
+            <a:ext cx="5140130" cy="4625141"/>
           </a:xfrm>
           <a:prstGeom prst="rect">
             <a:avLst/>
@@ -1470,7 +1545,6 @@
               <a:rPr sz="3200"/>
               <a:t>マスタ テキストの書式設定</a:t>
             </a:r>
-            <a:endParaRPr sz="3200"/>
           </a:p>
           <a:p>
             <a:pPr lvl="1">
@@ -1480,7 +1554,6 @@
               <a:rPr sz="3200"/>
               <a:t>第 2 レベル</a:t>
             </a:r>
-            <a:endParaRPr sz="3200"/>
           </a:p>
           <a:p>
             <a:pPr lvl="2">
@@ -1490,7 +1563,6 @@
               <a:rPr sz="3200"/>
               <a:t>第 3 レベル</a:t>
             </a:r>
-            <a:endParaRPr sz="3200"/>
           </a:p>
           <a:p>
             <a:pPr lvl="3">
@@ -1500,7 +1572,6 @@
               <a:rPr sz="3200"/>
               <a:t>第 4 レベル</a:t>
             </a:r>
-            <a:endParaRPr sz="3200"/>
           </a:p>
           <a:p>
             <a:pPr lvl="4">
@@ -1516,7 +1587,9 @@
       <p:sp>
         <p:nvSpPr>
           <p:cNvPr id="33" name="Shape 33"/>
-          <p:cNvSpPr/>
+          <p:cNvSpPr>
+            <a:spLocks noGrp="1"/>
+          </p:cNvSpPr>
           <p:nvPr>
             <p:ph type="sldNum" sz="quarter" idx="2"/>
           </p:nvPr>
@@ -1531,7 +1604,10 @@
           <a:lstStyle/>
           <a:p>
             <a:pPr lvl="0"/>
-            <a:fld id="{86CB4B4D-7CA3-9044-876B-883B54F8677D}" type="slidenum"/>
+            <a:fld id="{86CB4B4D-7CA3-9044-876B-883B54F8677D}" type="slidenum">
+              <a:t>‹#›</a:t>
+            </a:fld>
+            <a:endParaRPr/>
           </a:p>
         </p:txBody>
       </p:sp>
@@ -1540,12 +1616,12 @@
   <p:clrMapOvr>
     <a:masterClrMapping/>
   </p:clrMapOvr>
-  <p:transition spd="med" advClick="1"/>
+  <p:transition spd="med"/>
 </p:sldLayout>
 </file>
 
 <file path=ppt/slideLayouts/slideLayout9.xml><?xml version="1.0" encoding="utf-8"?>
-<p:sldLayout xmlns:a="http://schemas.openxmlformats.org/drawingml/2006/main" xmlns:r="http://schemas.openxmlformats.org/officeDocument/2006/relationships" xmlns:p="http://schemas.openxmlformats.org/presentationml/2006/main" type="tx" showMasterSp="1" showMasterPhAnim="1">
+<p:sldLayout xmlns:a="http://schemas.openxmlformats.org/drawingml/2006/main" xmlns:r="http://schemas.openxmlformats.org/officeDocument/2006/relationships" xmlns:p="http://schemas.openxmlformats.org/presentationml/2006/main" type="tx">
   <p:cSld name="タイトル付きの図">
     <p:spTree>
       <p:nvGrpSpPr>
@@ -1564,15 +1640,17 @@
       <p:sp>
         <p:nvSpPr>
           <p:cNvPr id="35" name="Shape 35"/>
-          <p:cNvSpPr/>
+          <p:cNvSpPr>
+            <a:spLocks noGrp="1"/>
+          </p:cNvSpPr>
           <p:nvPr>
             <p:ph type="title"/>
           </p:nvPr>
         </p:nvSpPr>
         <p:spPr>
           <a:xfrm>
-            <a:off x="1808605" y="3061380"/>
-            <a:ext cx="5516862" cy="359084"/>
+            <a:off x="1808605" y="3396358"/>
+            <a:ext cx="5516862" cy="398375"/>
           </a:xfrm>
           <a:prstGeom prst="rect">
             <a:avLst/>
@@ -1582,15 +1660,15 @@
           <a:bodyPr anchor="b"/>
           <a:lstStyle>
             <a:lvl1pPr algn="l">
-              <a:defRPr b="1" sz="2000"/>
+              <a:defRPr sz="2000" b="1"/>
             </a:lvl1pPr>
           </a:lstStyle>
           <a:p>
             <a:pPr lvl="0">
-              <a:defRPr b="0" sz="1800"/>
+              <a:defRPr sz="1800" b="0"/>
             </a:pPr>
             <a:r>
-              <a:rPr b="1" sz="2000"/>
+              <a:rPr sz="2000" b="1"/>
               <a:t>マスタ タイトルの書式設定</a:t>
             </a:r>
           </a:p>
@@ -1599,15 +1677,17 @@
       <p:sp>
         <p:nvSpPr>
           <p:cNvPr id="36" name="Shape 36"/>
-          <p:cNvSpPr/>
+          <p:cNvSpPr>
+            <a:spLocks noGrp="1"/>
+          </p:cNvSpPr>
           <p:nvPr>
             <p:ph type="body" idx="1"/>
           </p:nvPr>
         </p:nvSpPr>
         <p:spPr>
           <a:xfrm>
-            <a:off x="1808605" y="3420460"/>
-            <a:ext cx="5516862" cy="509956"/>
+            <a:off x="1808605" y="3794728"/>
+            <a:ext cx="5516862" cy="565755"/>
           </a:xfrm>
           <a:prstGeom prst="rect">
             <a:avLst/>
@@ -1640,7 +1720,9 @@
       <p:sp>
         <p:nvSpPr>
           <p:cNvPr id="37" name="Shape 37"/>
-          <p:cNvSpPr/>
+          <p:cNvSpPr>
+            <a:spLocks noGrp="1"/>
+          </p:cNvSpPr>
           <p:nvPr>
             <p:ph type="sldNum" sz="quarter" idx="2"/>
           </p:nvPr>
@@ -1655,7 +1737,10 @@
           <a:lstStyle/>
           <a:p>
             <a:pPr lvl="0"/>
-            <a:fld id="{86CB4B4D-7CA3-9044-876B-883B54F8677D}" type="slidenum"/>
+            <a:fld id="{86CB4B4D-7CA3-9044-876B-883B54F8677D}" type="slidenum">
+              <a:t>‹#›</a:t>
+            </a:fld>
+            <a:endParaRPr/>
           </a:p>
         </p:txBody>
       </p:sp>
@@ -1664,7 +1749,7 @@
   <p:clrMapOvr>
     <a:masterClrMapping/>
   </p:clrMapOvr>
-  <p:transition spd="med" advClick="1"/>
+  <p:transition spd="med"/>
 </p:sldLayout>
 </file>
 
@@ -1676,6 +1761,7 @@
         <a:solidFill>
           <a:srgbClr val="FFFFFF"/>
         </a:solidFill>
+        <a:effectLst/>
       </p:bgPr>
     </p:bg>
     <p:spTree>
@@ -1695,15 +1781,17 @@
       <p:sp>
         <p:nvSpPr>
           <p:cNvPr id="2" name="Shape 2"/>
-          <p:cNvSpPr/>
+          <p:cNvSpPr>
+            <a:spLocks noGrp="1"/>
+          </p:cNvSpPr>
           <p:nvPr>
             <p:ph type="title"/>
           </p:nvPr>
         </p:nvSpPr>
         <p:spPr>
           <a:xfrm>
-            <a:off x="466105" y="78104"/>
-            <a:ext cx="8275290" cy="955532"/>
+            <a:off x="466105" y="86650"/>
+            <a:ext cx="8275290" cy="1060087"/>
           </a:xfrm>
           <a:prstGeom prst="rect">
             <a:avLst/>
@@ -1713,13 +1801,13 @@
           </a:ln>
           <a:extLst>
             <a:ext uri="{C572A759-6A51-4108-AA02-DFA0A04FC94B}">
-              <ma14:wrappingTextBoxFlag xmlns:ma14="http://schemas.microsoft.com/office/mac/drawingml/2011/main" val="1"/>
+              <ma14:wrappingTextBoxFlag xmlns:ma14="http://schemas.microsoft.com/office/mac/drawingml/2011/main" xmlns="" val="1"/>
             </a:ext>
           </a:extLst>
         </p:spPr>
         <p:txBody>
           <a:bodyPr lIns="45718" tIns="45718" rIns="45718" bIns="45718" anchor="ctr">
-            <a:normAutofit fontScale="100000" lnSpcReduction="0"/>
+            <a:normAutofit/>
           </a:bodyPr>
           <a:lstStyle/>
           <a:p>
@@ -1736,15 +1824,17 @@
       <p:sp>
         <p:nvSpPr>
           <p:cNvPr id="3" name="Shape 3"/>
-          <p:cNvSpPr/>
+          <p:cNvSpPr>
+            <a:spLocks noGrp="1"/>
+          </p:cNvSpPr>
           <p:nvPr>
             <p:ph type="body" idx="1"/>
           </p:nvPr>
         </p:nvSpPr>
         <p:spPr>
           <a:xfrm>
-            <a:off x="466105" y="1033632"/>
-            <a:ext cx="8275290" cy="3328105"/>
+            <a:off x="466105" y="1146733"/>
+            <a:ext cx="8275290" cy="3692267"/>
           </a:xfrm>
           <a:prstGeom prst="rect">
             <a:avLst/>
@@ -1754,13 +1844,13 @@
           </a:ln>
           <a:extLst>
             <a:ext uri="{C572A759-6A51-4108-AA02-DFA0A04FC94B}">
-              <ma14:wrappingTextBoxFlag xmlns:ma14="http://schemas.microsoft.com/office/mac/drawingml/2011/main" val="1"/>
+              <ma14:wrappingTextBoxFlag xmlns:ma14="http://schemas.microsoft.com/office/mac/drawingml/2011/main" xmlns="" val="1"/>
             </a:ext>
           </a:extLst>
         </p:spPr>
         <p:txBody>
           <a:bodyPr lIns="45718" tIns="45718" rIns="45718" bIns="45718">
-            <a:normAutofit fontScale="100000" lnSpcReduction="0"/>
+            <a:normAutofit/>
           </a:bodyPr>
           <a:lstStyle/>
           <a:p>
@@ -1771,7 +1861,6 @@
               <a:rPr sz="3200"/>
               <a:t>マスタ テキストの書式設定</a:t>
             </a:r>
-            <a:endParaRPr sz="3200"/>
           </a:p>
           <a:p>
             <a:pPr lvl="1">
@@ -1781,7 +1870,6 @@
               <a:rPr sz="3200"/>
               <a:t>第 2 レベル</a:t>
             </a:r>
-            <a:endParaRPr sz="3200"/>
           </a:p>
           <a:p>
             <a:pPr lvl="2">
@@ -1791,7 +1879,6 @@
               <a:rPr sz="3200"/>
               <a:t>第 3 レベル</a:t>
             </a:r>
-            <a:endParaRPr sz="3200"/>
           </a:p>
           <a:p>
             <a:pPr lvl="3">
@@ -1801,7 +1888,6 @@
               <a:rPr sz="3200"/>
               <a:t>第 4 レベル</a:t>
             </a:r>
-            <a:endParaRPr sz="3200"/>
           </a:p>
           <a:p>
             <a:pPr lvl="4">
@@ -1817,15 +1903,17 @@
       <p:sp>
         <p:nvSpPr>
           <p:cNvPr id="4" name="Shape 4"/>
-          <p:cNvSpPr/>
+          <p:cNvSpPr>
+            <a:spLocks noGrp="1"/>
+          </p:cNvSpPr>
           <p:nvPr>
             <p:ph type="sldNum" sz="quarter" idx="2"/>
           </p:nvPr>
         </p:nvSpPr>
         <p:spPr>
           <a:xfrm>
-            <a:off x="6595949" y="4028139"/>
-            <a:ext cx="2145446" cy="269237"/>
+            <a:off x="6595949" y="4479750"/>
+            <a:ext cx="2145446" cy="276995"/>
           </a:xfrm>
           <a:prstGeom prst="rect">
             <a:avLst/>
@@ -1853,7 +1941,10 @@
           </a:lstStyle>
           <a:p>
             <a:pPr lvl="0"/>
-            <a:fld id="{86CB4B4D-7CA3-9044-876B-883B54F8677D}" type="slidenum"/>
+            <a:fld id="{86CB4B4D-7CA3-9044-876B-883B54F8677D}" type="slidenum">
+              <a:t>‹#›</a:t>
+            </a:fld>
+            <a:endParaRPr/>
           </a:p>
         </p:txBody>
       </p:sp>
@@ -1861,19 +1952,19 @@
   </p:cSld>
   <p:clrMap bg1="lt1" tx1="dk1" bg2="lt2" tx2="dk2" accent1="accent1" accent2="accent2" accent3="accent3" accent4="accent4" accent5="accent5" accent6="accent6" hlink="hlink" folHlink="folHlink"/>
   <p:sldLayoutIdLst>
-    <p:sldLayoutId id="2147483649" r:id="rId2"/>
-    <p:sldLayoutId id="2147483650" r:id="rId3"/>
-    <p:sldLayoutId id="2147483651" r:id="rId4"/>
-    <p:sldLayoutId id="2147483652" r:id="rId5"/>
-    <p:sldLayoutId id="2147483653" r:id="rId6"/>
-    <p:sldLayoutId id="2147483654" r:id="rId7"/>
-    <p:sldLayoutId id="2147483655" r:id="rId8"/>
-    <p:sldLayoutId id="2147483656" r:id="rId9"/>
-    <p:sldLayoutId id="2147483657" r:id="rId10"/>
-    <p:sldLayoutId id="2147483658" r:id="rId11"/>
-    <p:sldLayoutId id="2147483659" r:id="rId12"/>
+    <p:sldLayoutId id="2147483649" r:id="rId1"/>
+    <p:sldLayoutId id="2147483650" r:id="rId2"/>
+    <p:sldLayoutId id="2147483651" r:id="rId3"/>
+    <p:sldLayoutId id="2147483652" r:id="rId4"/>
+    <p:sldLayoutId id="2147483653" r:id="rId5"/>
+    <p:sldLayoutId id="2147483654" r:id="rId6"/>
+    <p:sldLayoutId id="2147483655" r:id="rId7"/>
+    <p:sldLayoutId id="2147483656" r:id="rId8"/>
+    <p:sldLayoutId id="2147483657" r:id="rId9"/>
+    <p:sldLayoutId id="2147483658" r:id="rId10"/>
+    <p:sldLayoutId id="2147483659" r:id="rId11"/>
   </p:sldLayoutIdLst>
-  <p:transition spd="med" advClick="1"/>
+  <p:transition spd="med"/>
   <p:txStyles>
     <p:titleStyle>
       <a:lvl1pPr algn="ctr">
@@ -2183,7 +2274,7 @@
 </file>
 
 <file path=ppt/slides/slide1.xml><?xml version="1.0" encoding="utf-8"?>
-<p:sld xmlns:a="http://schemas.openxmlformats.org/drawingml/2006/main" xmlns:r="http://schemas.openxmlformats.org/officeDocument/2006/relationships" xmlns:p="http://schemas.openxmlformats.org/presentationml/2006/main" showMasterSp="1" showMasterPhAnim="1">
+<p:sld xmlns:a="http://schemas.openxmlformats.org/drawingml/2006/main" xmlns:r="http://schemas.openxmlformats.org/officeDocument/2006/relationships" xmlns:p="http://schemas.openxmlformats.org/presentationml/2006/main">
   <p:cSld>
     <p:spTree>
       <p:nvGrpSpPr>
@@ -2201,27 +2292,33 @@
       </p:grpSpPr>
       <p:graphicFrame>
         <p:nvGraphicFramePr>
-          <p:cNvPr id="49" name="Table 49"/>
+          <p:cNvPr id="6" name="Table 49"/>
           <p:cNvGraphicFramePr/>
-          <p:nvPr/>
+          <p:nvPr>
+            <p:extLst>
+              <p:ext uri="{D42A27DB-BD31-4B8C-83A1-F6EECF244321}">
+                <p14:modId xmlns:p14="http://schemas.microsoft.com/office/powerpoint/2010/main" val="3968504566"/>
+              </p:ext>
+            </p:extLst>
+          </p:nvPr>
         </p:nvGraphicFramePr>
         <p:xfrm>
-          <a:off x="46188" y="2091560"/>
-          <a:ext cx="9137247" cy="2227721"/>
+          <a:off x="21266" y="2262758"/>
+          <a:ext cx="9118989" cy="2553886"/>
         </p:xfrm>
-        <a:graphic xmlns:a="http://schemas.openxmlformats.org/drawingml/2006/main">
+        <a:graphic>
           <a:graphicData uri="http://schemas.openxmlformats.org/drawingml/2006/table">
             <a:tbl>
-              <a:tblPr firstCol="0" firstRow="0" lastCol="0" lastRow="0" bandCol="0" bandRow="0" rtl="0">
+              <a:tblPr>
                 <a:tableStyleId>{4C3C2611-4C71-4FC5-86AE-919BDF0F9419}</a:tableStyleId>
               </a:tblPr>
               <a:tblGrid>
-                <a:gridCol w="1046020"/>
-                <a:gridCol w="1776502"/>
-                <a:gridCol w="1819822"/>
-                <a:gridCol w="1844629"/>
-                <a:gridCol w="975245"/>
-                <a:gridCol w="1662326"/>
+                <a:gridCol w="1180214"/>
+                <a:gridCol w="1650458"/>
+                <a:gridCol w="1815864"/>
+                <a:gridCol w="1840618"/>
+                <a:gridCol w="973124"/>
+                <a:gridCol w="1658711"/>
               </a:tblGrid>
               <a:tr h="275300">
                 <a:tc>
@@ -2230,17 +2327,12 @@
                     <a:lstStyle/>
                     <a:p>
                       <a:pPr lvl="0" algn="ctr">
-                        <a:defRPr b="0" i="0" sz="1800"/>
-                      </a:pPr>
-                      <a:r>
-                        <a:rPr>
-                          <a:sym typeface="Helvetica Neue"/>
-                        </a:rPr>
-                        <a:t/>
-                      </a:r>
-                    </a:p>
-                  </a:txBody>
-                  <a:tcPr marL="5059" marR="5059" marT="5059" marB="5059" anchor="ctr" anchorCtr="0" horzOverflow="overflow">
+                        <a:defRPr sz="1800" b="0" i="0"/>
+                      </a:pPr>
+                      <a:endParaRPr dirty="0"/>
+                    </a:p>
+                  </a:txBody>
+                  <a:tcPr marL="5059" marR="5059" marT="5059" marB="5059" anchor="ctr" horzOverflow="overflow">
                     <a:lnL w="12700">
                       <a:solidFill>
                         <a:srgbClr val="000000"/>
@@ -2273,7 +2365,7 @@
                     <a:lstStyle/>
                     <a:p>
                       <a:pPr lvl="0" algn="ctr">
-                        <a:defRPr b="0" i="0" sz="1800"/>
+                        <a:defRPr sz="1800" b="0" i="0"/>
                       </a:pPr>
                       <a:r>
                         <a:rPr sz="2000">
@@ -2286,7 +2378,7 @@
                       </a:r>
                     </a:p>
                   </a:txBody>
-                  <a:tcPr marL="5059" marR="5059" marT="5059" marB="5059" anchor="ctr" anchorCtr="0" horzOverflow="overflow">
+                  <a:tcPr marL="5059" marR="5059" marT="5059" marB="5059" anchor="ctr" horzOverflow="overflow">
                     <a:lnL w="12700">
                       <a:solidFill>
                         <a:srgbClr val="000000"/>
@@ -2314,15 +2406,43 @@
                   </a:tcPr>
                 </a:tc>
                 <a:tc hMerge="1">
+                  <a:txBody>
+                    <a:bodyPr/>
+                    <a:lstStyle/>
+                    <a:p>
+                      <a:endParaRPr lang="ja-JP"/>
+                    </a:p>
+                  </a:txBody>
                   <a:tcPr/>
                 </a:tc>
                 <a:tc hMerge="1">
+                  <a:txBody>
+                    <a:bodyPr/>
+                    <a:lstStyle/>
+                    <a:p>
+                      <a:endParaRPr lang="ja-JP"/>
+                    </a:p>
+                  </a:txBody>
                   <a:tcPr/>
                 </a:tc>
                 <a:tc hMerge="1">
+                  <a:txBody>
+                    <a:bodyPr/>
+                    <a:lstStyle/>
+                    <a:p>
+                      <a:endParaRPr lang="ja-JP"/>
+                    </a:p>
+                  </a:txBody>
                   <a:tcPr/>
                 </a:tc>
                 <a:tc hMerge="1">
+                  <a:txBody>
+                    <a:bodyPr/>
+                    <a:lstStyle/>
+                    <a:p>
+                      <a:endParaRPr lang="ja-JP"/>
+                    </a:p>
+                  </a:txBody>
                   <a:tcPr/>
                 </a:tc>
               </a:tr>
@@ -2333,10 +2453,10 @@
                     <a:lstStyle/>
                     <a:p>
                       <a:pPr lvl="0" algn="ctr">
-                        <a:defRPr b="0" i="0" sz="1800"/>
-                      </a:pPr>
-                      <a:r>
-                        <a:rPr sz="2000">
+                        <a:defRPr sz="1800" b="0" i="0"/>
+                      </a:pPr>
+                      <a:r>
+                        <a:rPr sz="2000" dirty="0">
                           <a:latin typeface="Times New Roman"/>
                           <a:ea typeface="Times New Roman"/>
                           <a:cs typeface="Times New Roman"/>
@@ -2346,7 +2466,7 @@
                       </a:r>
                     </a:p>
                   </a:txBody>
-                  <a:tcPr marL="5059" marR="5059" marT="5059" marB="5059" anchor="ctr" anchorCtr="0" horzOverflow="overflow">
+                  <a:tcPr marL="5059" marR="5059" marT="5059" marB="5059" anchor="ctr" horzOverflow="overflow">
                     <a:lnL w="12700">
                       <a:solidFill>
                         <a:srgbClr val="000000"/>
@@ -2379,10 +2499,10 @@
                     <a:lstStyle/>
                     <a:p>
                       <a:pPr lvl="0" algn="ctr">
-                        <a:defRPr b="0" i="0" sz="1800"/>
-                      </a:pPr>
-                      <a:r>
-                        <a:rPr sz="2000">
+                        <a:defRPr sz="1800" b="0" i="0"/>
+                      </a:pPr>
+                      <a:r>
+                        <a:rPr sz="2000" dirty="0">
                           <a:latin typeface="Times New Roman"/>
                           <a:ea typeface="Times New Roman"/>
                           <a:cs typeface="Times New Roman"/>
@@ -2392,7 +2512,7 @@
                       </a:r>
                     </a:p>
                   </a:txBody>
-                  <a:tcPr marL="5059" marR="5059" marT="5059" marB="5059" anchor="ctr" anchorCtr="0" horzOverflow="overflow">
+                  <a:tcPr marL="5059" marR="5059" marT="5059" marB="5059" anchor="ctr" horzOverflow="overflow">
                     <a:lnL w="12700">
                       <a:solidFill>
                         <a:srgbClr val="000000"/>
@@ -2419,7 +2539,7 @@
                     <a:lstStyle/>
                     <a:p>
                       <a:pPr lvl="0" algn="ctr">
-                        <a:defRPr b="0" i="0" sz="1800"/>
+                        <a:defRPr sz="1800" b="0" i="0"/>
                       </a:pPr>
                       <a:r>
                         <a:rPr sz="2000">
@@ -2430,16 +2550,10 @@
                         </a:rPr>
                         <a:t>Room </a:t>
                       </a:r>
-                      <a:endParaRPr sz="2000">
-                        <a:latin typeface="Times New Roman"/>
-                        <a:ea typeface="Times New Roman"/>
-                        <a:cs typeface="Times New Roman"/>
-                        <a:sym typeface="Times New Roman"/>
-                      </a:endParaRPr>
-                    </a:p>
-                    <a:p>
-                      <a:pPr lvl="0" algn="ctr">
-                        <a:defRPr b="0" i="0" sz="1800"/>
+                    </a:p>
+                    <a:p>
+                      <a:pPr lvl="0" algn="ctr">
+                        <a:defRPr sz="1800" b="0" i="0"/>
                       </a:pPr>
                       <a:r>
                         <a:rPr sz="2000">
@@ -2452,7 +2566,7 @@
                       </a:r>
                     </a:p>
                   </a:txBody>
-                  <a:tcPr marL="5059" marR="5059" marT="5059" marB="5059" anchor="ctr" anchorCtr="0" horzOverflow="overflow">
+                  <a:tcPr marL="5059" marR="5059" marT="5059" marB="5059" anchor="ctr" horzOverflow="overflow">
                     <a:lnT w="12700">
                       <a:solidFill>
                         <a:srgbClr val="000000"/>
@@ -2473,7 +2587,7 @@
                     <a:lstStyle/>
                     <a:p>
                       <a:pPr lvl="0" algn="ctr">
-                        <a:defRPr b="0" i="0" sz="1800"/>
+                        <a:defRPr sz="1800" b="0" i="0"/>
                       </a:pPr>
                       <a:r>
                         <a:rPr sz="2000">
@@ -2484,16 +2598,10 @@
                         </a:rPr>
                         <a:t>Room, Floor, </a:t>
                       </a:r>
-                      <a:endParaRPr sz="2000">
-                        <a:latin typeface="Times New Roman"/>
-                        <a:ea typeface="Times New Roman"/>
-                        <a:cs typeface="Times New Roman"/>
-                        <a:sym typeface="Times New Roman"/>
-                      </a:endParaRPr>
-                    </a:p>
-                    <a:p>
-                      <a:pPr lvl="0" algn="ctr">
-                        <a:defRPr b="0" i="0" sz="1800"/>
+                    </a:p>
+                    <a:p>
+                      <a:pPr lvl="0" algn="ctr">
+                        <a:defRPr sz="1800" b="0" i="0"/>
                       </a:pPr>
                       <a:r>
                         <a:rPr sz="2000">
@@ -2506,7 +2614,7 @@
                       </a:r>
                     </a:p>
                   </a:txBody>
-                  <a:tcPr marL="5059" marR="5059" marT="5059" marB="5059" anchor="ctr" anchorCtr="0" horzOverflow="overflow">
+                  <a:tcPr marL="5059" marR="5059" marT="5059" marB="5059" anchor="ctr" horzOverflow="overflow">
                     <a:lnT w="12700">
                       <a:solidFill>
                         <a:srgbClr val="000000"/>
@@ -2527,7 +2635,7 @@
                     <a:lstStyle/>
                     <a:p>
                       <a:pPr lvl="0" algn="ctr">
-                        <a:defRPr b="0" i="0" sz="1800"/>
+                        <a:defRPr sz="1800" b="0" i="0"/>
                       </a:pPr>
                       <a:r>
                         <a:rPr sz="2000">
@@ -2538,16 +2646,10 @@
                         </a:rPr>
                         <a:t>Detail</a:t>
                       </a:r>
-                      <a:endParaRPr sz="2000">
-                        <a:latin typeface="Times New Roman"/>
-                        <a:ea typeface="Times New Roman"/>
-                        <a:cs typeface="Times New Roman"/>
-                        <a:sym typeface="Times New Roman"/>
-                      </a:endParaRPr>
-                    </a:p>
-                    <a:p>
-                      <a:pPr lvl="0" algn="ctr">
-                        <a:defRPr b="0" i="0" sz="1800"/>
+                    </a:p>
+                    <a:p>
+                      <a:pPr lvl="0" algn="ctr">
+                        <a:defRPr sz="1800" b="0" i="0"/>
                       </a:pPr>
                       <a:r>
                         <a:rPr sz="2000">
@@ -2560,7 +2662,7 @@
                       </a:r>
                     </a:p>
                   </a:txBody>
-                  <a:tcPr marL="5059" marR="5059" marT="5059" marB="5059" anchor="ctr" anchorCtr="0" horzOverflow="overflow">
+                  <a:tcPr marL="5059" marR="5059" marT="5059" marB="5059" anchor="ctr" horzOverflow="overflow">
                     <a:lnT w="12700">
                       <a:solidFill>
                         <a:srgbClr val="000000"/>
@@ -2581,7 +2683,7 @@
                     <a:lstStyle/>
                     <a:p>
                       <a:pPr lvl="0" algn="ctr">
-                        <a:defRPr b="0" i="0" sz="1800"/>
+                        <a:defRPr sz="1800" b="0" i="0"/>
                       </a:pPr>
                       <a:r>
                         <a:rPr sz="2000">
@@ -2592,16 +2694,10 @@
                         </a:rPr>
                         <a:t>Model</a:t>
                       </a:r>
-                      <a:endParaRPr sz="2000">
-                        <a:latin typeface="Times New Roman"/>
-                        <a:ea typeface="Times New Roman"/>
-                        <a:cs typeface="Times New Roman"/>
-                        <a:sym typeface="Times New Roman"/>
-                      </a:endParaRPr>
-                    </a:p>
-                    <a:p>
-                      <a:pPr lvl="0" algn="ctr">
-                        <a:defRPr b="0" i="0" sz="1800"/>
+                    </a:p>
+                    <a:p>
+                      <a:pPr lvl="0" algn="ctr">
+                        <a:defRPr sz="1800" b="0" i="0"/>
                       </a:pPr>
                       <a:r>
                         <a:rPr sz="2000">
@@ -2614,7 +2710,7 @@
                       </a:r>
                     </a:p>
                   </a:txBody>
-                  <a:tcPr marL="5059" marR="5059" marT="5059" marB="5059" anchor="ctr" anchorCtr="0" horzOverflow="overflow">
+                  <a:tcPr marL="5059" marR="5059" marT="5059" marB="5059" anchor="ctr" horzOverflow="overflow">
                     <a:lnR w="12700">
                       <a:solidFill>
                         <a:srgbClr val="000000"/>
@@ -2643,7 +2739,7 @@
                     <a:lstStyle/>
                     <a:p>
                       <a:pPr lvl="0" algn="ctr">
-                        <a:defRPr b="0" i="0" sz="1800"/>
+                        <a:defRPr sz="1800" b="0" i="0"/>
                       </a:pPr>
                       <a:r>
                         <a:rPr sz="2000">
@@ -2656,7 +2752,7 @@
                       </a:r>
                     </a:p>
                   </a:txBody>
-                  <a:tcPr marL="5059" marR="5059" marT="5059" marB="5059" anchor="ctr" anchorCtr="0" horzOverflow="overflow">
+                  <a:tcPr marL="5059" marR="5059" marT="5059" marB="5059" anchor="ctr" horzOverflow="overflow">
                     <a:lnL w="12700">
                       <a:solidFill>
                         <a:srgbClr val="000000"/>
@@ -2683,7 +2779,7 @@
                     <a:lstStyle/>
                     <a:p>
                       <a:pPr lvl="0" algn="ctr">
-                        <a:defRPr b="0" i="0" sz="1800"/>
+                        <a:defRPr sz="1800" b="0" i="0"/>
                       </a:pPr>
                       <a:r>
                         <a:rPr sz="2000">
@@ -2696,7 +2792,7 @@
                       </a:r>
                     </a:p>
                   </a:txBody>
-                  <a:tcPr marL="9525" marR="9525" marT="9525" marB="9525" anchor="b" anchorCtr="0" horzOverflow="overflow">
+                  <a:tcPr marL="9525" marR="9525" marT="9525" marB="9525" anchor="b" horzOverflow="overflow">
                     <a:lnL w="12700">
                       <a:solidFill>
                         <a:srgbClr val="000000"/>
@@ -2717,7 +2813,7 @@
                     <a:lstStyle/>
                     <a:p>
                       <a:pPr lvl="0" algn="ctr">
-                        <a:defRPr b="0" i="0" sz="1800"/>
+                        <a:defRPr sz="1800" b="0" i="0"/>
                       </a:pPr>
                       <a:r>
                         <a:rPr sz="2000">
@@ -2730,7 +2826,7 @@
                       </a:r>
                     </a:p>
                   </a:txBody>
-                  <a:tcPr marL="9525" marR="9525" marT="9525" marB="9525" anchor="b" anchorCtr="0" horzOverflow="overflow">
+                  <a:tcPr marL="9525" marR="9525" marT="9525" marB="9525" anchor="b" horzOverflow="overflow">
                     <a:lnT w="12700">
                       <a:solidFill>
                         <a:srgbClr val="000000"/>
@@ -2745,7 +2841,7 @@
                     <a:lstStyle/>
                     <a:p>
                       <a:pPr lvl="0" algn="ctr">
-                        <a:defRPr b="0" i="0" sz="1800"/>
+                        <a:defRPr sz="1800" b="0" i="0"/>
                       </a:pPr>
                       <a:r>
                         <a:rPr sz="2000">
@@ -2758,7 +2854,7 @@
                       </a:r>
                     </a:p>
                   </a:txBody>
-                  <a:tcPr marL="9525" marR="9525" marT="9525" marB="9525" anchor="b" anchorCtr="0" horzOverflow="overflow">
+                  <a:tcPr marL="9525" marR="9525" marT="9525" marB="9525" anchor="b" horzOverflow="overflow">
                     <a:lnT w="12700">
                       <a:solidFill>
                         <a:srgbClr val="000000"/>
@@ -2773,7 +2869,7 @@
                     <a:lstStyle/>
                     <a:p>
                       <a:pPr lvl="0" algn="ctr">
-                        <a:defRPr b="0" i="0" sz="1800"/>
+                        <a:defRPr sz="1800" b="0" i="0"/>
                       </a:pPr>
                       <a:r>
                         <a:rPr sz="2000">
@@ -2786,7 +2882,7 @@
                       </a:r>
                     </a:p>
                   </a:txBody>
-                  <a:tcPr marL="5059" marR="5059" marT="5059" marB="5059" anchor="ctr" anchorCtr="0" horzOverflow="overflow">
+                  <a:tcPr marL="5059" marR="5059" marT="5059" marB="5059" anchor="ctr" horzOverflow="overflow">
                     <a:lnT w="12700">
                       <a:solidFill>
                         <a:srgbClr val="000000"/>
@@ -2801,7 +2897,7 @@
                     <a:lstStyle/>
                     <a:p>
                       <a:pPr lvl="0" algn="ctr">
-                        <a:defRPr b="0" i="0" sz="1800"/>
+                        <a:defRPr sz="1800" b="0" i="0"/>
                       </a:pPr>
                       <a:r>
                         <a:rPr sz="2000">
@@ -2814,7 +2910,7 @@
                       </a:r>
                     </a:p>
                   </a:txBody>
-                  <a:tcPr marL="5059" marR="5059" marT="5059" marB="5059" anchor="ctr" anchorCtr="0" horzOverflow="overflow">
+                  <a:tcPr marL="5059" marR="5059" marT="5059" marB="5059" anchor="ctr" horzOverflow="overflow">
                     <a:lnR w="12700">
                       <a:solidFill>
                         <a:srgbClr val="000000"/>
@@ -2837,7 +2933,7 @@
                     <a:lstStyle/>
                     <a:p>
                       <a:pPr lvl="0" algn="ctr">
-                        <a:defRPr b="0" i="0" sz="1800"/>
+                        <a:defRPr sz="1800" b="0" i="0"/>
                       </a:pPr>
                       <a:r>
                         <a:rPr sz="2000">
@@ -2850,7 +2946,7 @@
                       </a:r>
                     </a:p>
                   </a:txBody>
-                  <a:tcPr marL="5059" marR="5059" marT="5059" marB="5059" anchor="ctr" anchorCtr="0" horzOverflow="overflow">
+                  <a:tcPr marL="5059" marR="5059" marT="5059" marB="5059" anchor="ctr" horzOverflow="overflow">
                     <a:lnL w="12700">
                       <a:solidFill>
                         <a:srgbClr val="000000"/>
@@ -2871,7 +2967,7 @@
                     <a:lstStyle/>
                     <a:p>
                       <a:pPr lvl="0" algn="ctr">
-                        <a:defRPr b="0" i="0" sz="1800"/>
+                        <a:defRPr sz="1800" b="0" i="0"/>
                       </a:pPr>
                       <a:r>
                         <a:rPr sz="2000">
@@ -2884,7 +2980,7 @@
                       </a:r>
                     </a:p>
                   </a:txBody>
-                  <a:tcPr marL="9525" marR="9525" marT="9525" marB="9525" anchor="b" anchorCtr="0" horzOverflow="overflow">
+                  <a:tcPr marL="9525" marR="9525" marT="9525" marB="9525" anchor="b" horzOverflow="overflow">
                     <a:lnL w="12700">
                       <a:solidFill>
                         <a:srgbClr val="000000"/>
@@ -2899,7 +2995,7 @@
                     <a:lstStyle/>
                     <a:p>
                       <a:pPr lvl="0" algn="ctr">
-                        <a:defRPr b="0" i="0" sz="1800"/>
+                        <a:defRPr sz="1800" b="0" i="0"/>
                       </a:pPr>
                       <a:r>
                         <a:rPr sz="2000">
@@ -2912,15 +3008,15 @@
                       </a:r>
                     </a:p>
                   </a:txBody>
-                  <a:tcPr marL="9525" marR="9525" marT="9525" marB="9525" anchor="b" anchorCtr="0" horzOverflow="overflow"/>
-                </a:tc>
-                <a:tc>
-                  <a:txBody>
-                    <a:bodyPr/>
-                    <a:lstStyle/>
-                    <a:p>
-                      <a:pPr lvl="0" algn="ctr">
-                        <a:defRPr b="0" i="0" sz="1800"/>
+                  <a:tcPr marL="9525" marR="9525" marT="9525" marB="9525" anchor="b" horzOverflow="overflow"/>
+                </a:tc>
+                <a:tc>
+                  <a:txBody>
+                    <a:bodyPr/>
+                    <a:lstStyle/>
+                    <a:p>
+                      <a:pPr lvl="0" algn="ctr">
+                        <a:defRPr sz="1800" b="0" i="0"/>
                       </a:pPr>
                       <a:r>
                         <a:rPr sz="2000">
@@ -2933,15 +3029,15 @@
                       </a:r>
                     </a:p>
                   </a:txBody>
-                  <a:tcPr marL="9525" marR="9525" marT="9525" marB="9525" anchor="b" anchorCtr="0" horzOverflow="overflow"/>
-                </a:tc>
-                <a:tc>
-                  <a:txBody>
-                    <a:bodyPr/>
-                    <a:lstStyle/>
-                    <a:p>
-                      <a:pPr lvl="0" algn="ctr">
-                        <a:defRPr b="0" i="0" sz="1800"/>
+                  <a:tcPr marL="9525" marR="9525" marT="9525" marB="9525" anchor="b" horzOverflow="overflow"/>
+                </a:tc>
+                <a:tc>
+                  <a:txBody>
+                    <a:bodyPr/>
+                    <a:lstStyle/>
+                    <a:p>
+                      <a:pPr lvl="0" algn="ctr">
+                        <a:defRPr sz="1800" b="0" i="0"/>
                       </a:pPr>
                       <a:r>
                         <a:rPr sz="2000">
@@ -2954,15 +3050,15 @@
                       </a:r>
                     </a:p>
                   </a:txBody>
-                  <a:tcPr marL="5059" marR="5059" marT="5059" marB="5059" anchor="ctr" anchorCtr="0" horzOverflow="overflow"/>
-                </a:tc>
-                <a:tc>
-                  <a:txBody>
-                    <a:bodyPr/>
-                    <a:lstStyle/>
-                    <a:p>
-                      <a:pPr lvl="0" algn="ctr">
-                        <a:defRPr b="0" i="0" sz="1800"/>
+                  <a:tcPr marL="5059" marR="5059" marT="5059" marB="5059" anchor="ctr" horzOverflow="overflow"/>
+                </a:tc>
+                <a:tc>
+                  <a:txBody>
+                    <a:bodyPr/>
+                    <a:lstStyle/>
+                    <a:p>
+                      <a:pPr lvl="0" algn="ctr">
+                        <a:defRPr sz="1800" b="0" i="0"/>
                       </a:pPr>
                       <a:r>
                         <a:rPr sz="2000">
@@ -2975,7 +3071,7 @@
                       </a:r>
                     </a:p>
                   </a:txBody>
-                  <a:tcPr marL="5059" marR="5059" marT="5059" marB="5059" anchor="ctr" anchorCtr="0" horzOverflow="overflow">
+                  <a:tcPr marL="5059" marR="5059" marT="5059" marB="5059" anchor="ctr" horzOverflow="overflow">
                     <a:lnR w="12700">
                       <a:solidFill>
                         <a:srgbClr val="000000"/>
@@ -2992,7 +3088,7 @@
                     <a:lstStyle/>
                     <a:p>
                       <a:pPr lvl="0" algn="ctr">
-                        <a:defRPr b="0" i="0" sz="1800"/>
+                        <a:defRPr sz="1800" b="0" i="0"/>
                       </a:pPr>
                       <a:r>
                         <a:rPr sz="2000">
@@ -3005,7 +3101,7 @@
                       </a:r>
                     </a:p>
                   </a:txBody>
-                  <a:tcPr marL="5059" marR="5059" marT="5059" marB="5059" anchor="ctr" anchorCtr="0" horzOverflow="overflow">
+                  <a:tcPr marL="5059" marR="5059" marT="5059" marB="5059" anchor="ctr" horzOverflow="overflow">
                     <a:lnL w="12700">
                       <a:solidFill>
                         <a:srgbClr val="000000"/>
@@ -3026,7 +3122,7 @@
                     <a:lstStyle/>
                     <a:p>
                       <a:pPr lvl="0" algn="ctr">
-                        <a:defRPr b="0" i="0" sz="1800"/>
+                        <a:defRPr sz="1800" b="0" i="0"/>
                       </a:pPr>
                       <a:r>
                         <a:rPr sz="2000">
@@ -3039,7 +3135,7 @@
                       </a:r>
                     </a:p>
                   </a:txBody>
-                  <a:tcPr marL="9525" marR="9525" marT="9525" marB="9525" anchor="b" anchorCtr="0" horzOverflow="overflow">
+                  <a:tcPr marL="9525" marR="9525" marT="9525" marB="9525" anchor="b" horzOverflow="overflow">
                     <a:lnL w="12700">
                       <a:solidFill>
                         <a:srgbClr val="000000"/>
@@ -3054,7 +3150,7 @@
                     <a:lstStyle/>
                     <a:p>
                       <a:pPr lvl="0" algn="ctr">
-                        <a:defRPr b="0" i="0" sz="1800"/>
+                        <a:defRPr sz="1800" b="0" i="0"/>
                       </a:pPr>
                       <a:r>
                         <a:rPr sz="2000">
@@ -3067,15 +3163,15 @@
                       </a:r>
                     </a:p>
                   </a:txBody>
-                  <a:tcPr marL="9525" marR="9525" marT="9525" marB="9525" anchor="b" anchorCtr="0" horzOverflow="overflow"/>
-                </a:tc>
-                <a:tc>
-                  <a:txBody>
-                    <a:bodyPr/>
-                    <a:lstStyle/>
-                    <a:p>
-                      <a:pPr lvl="0" algn="ctr">
-                        <a:defRPr b="0" i="0" sz="1800"/>
+                  <a:tcPr marL="9525" marR="9525" marT="9525" marB="9525" anchor="b" horzOverflow="overflow"/>
+                </a:tc>
+                <a:tc>
+                  <a:txBody>
+                    <a:bodyPr/>
+                    <a:lstStyle/>
+                    <a:p>
+                      <a:pPr lvl="0" algn="ctr">
+                        <a:defRPr sz="1800" b="0" i="0"/>
                       </a:pPr>
                       <a:r>
                         <a:rPr sz="2000">
@@ -3088,15 +3184,15 @@
                       </a:r>
                     </a:p>
                   </a:txBody>
-                  <a:tcPr marL="9525" marR="9525" marT="9525" marB="9525" anchor="b" anchorCtr="0" horzOverflow="overflow"/>
-                </a:tc>
-                <a:tc>
-                  <a:txBody>
-                    <a:bodyPr/>
-                    <a:lstStyle/>
-                    <a:p>
-                      <a:pPr lvl="0" algn="ctr">
-                        <a:defRPr b="0" i="0" sz="1800"/>
+                  <a:tcPr marL="9525" marR="9525" marT="9525" marB="9525" anchor="b" horzOverflow="overflow"/>
+                </a:tc>
+                <a:tc>
+                  <a:txBody>
+                    <a:bodyPr/>
+                    <a:lstStyle/>
+                    <a:p>
+                      <a:pPr lvl="0" algn="ctr">
+                        <a:defRPr sz="1800" b="0" i="0"/>
                       </a:pPr>
                       <a:r>
                         <a:rPr sz="2000">
@@ -3109,15 +3205,15 @@
                       </a:r>
                     </a:p>
                   </a:txBody>
-                  <a:tcPr marL="5059" marR="5059" marT="5059" marB="5059" anchor="ctr" anchorCtr="0" horzOverflow="overflow"/>
-                </a:tc>
-                <a:tc>
-                  <a:txBody>
-                    <a:bodyPr/>
-                    <a:lstStyle/>
-                    <a:p>
-                      <a:pPr lvl="0" algn="ctr">
-                        <a:defRPr b="0" i="0" sz="1800"/>
+                  <a:tcPr marL="5059" marR="5059" marT="5059" marB="5059" anchor="ctr" horzOverflow="overflow"/>
+                </a:tc>
+                <a:tc>
+                  <a:txBody>
+                    <a:bodyPr/>
+                    <a:lstStyle/>
+                    <a:p>
+                      <a:pPr lvl="0" algn="ctr">
+                        <a:defRPr sz="1800" b="0" i="0"/>
                       </a:pPr>
                       <a:r>
                         <a:rPr sz="2000">
@@ -3130,7 +3226,7 @@
                       </a:r>
                     </a:p>
                   </a:txBody>
-                  <a:tcPr marL="5059" marR="5059" marT="5059" marB="5059" anchor="ctr" anchorCtr="0" horzOverflow="overflow">
+                  <a:tcPr marL="5059" marR="5059" marT="5059" marB="5059" anchor="ctr" horzOverflow="overflow">
                     <a:lnR w="12700">
                       <a:solidFill>
                         <a:srgbClr val="000000"/>
@@ -3147,7 +3243,7 @@
                     <a:lstStyle/>
                     <a:p>
                       <a:pPr lvl="0" algn="ctr">
-                        <a:defRPr b="0" i="0" sz="1800"/>
+                        <a:defRPr sz="1800" b="0" i="0"/>
                       </a:pPr>
                       <a:r>
                         <a:rPr sz="2000">
@@ -3160,7 +3256,7 @@
                       </a:r>
                     </a:p>
                   </a:txBody>
-                  <a:tcPr marL="5059" marR="5059" marT="5059" marB="5059" anchor="ctr" anchorCtr="0" horzOverflow="overflow">
+                  <a:tcPr marL="5059" marR="5059" marT="5059" marB="5059" anchor="ctr" horzOverflow="overflow">
                     <a:lnL w="12700">
                       <a:solidFill>
                         <a:srgbClr val="000000"/>
@@ -3181,7 +3277,7 @@
                     <a:lstStyle/>
                     <a:p>
                       <a:pPr lvl="0" algn="ctr">
-                        <a:defRPr b="0" i="0" sz="1800"/>
+                        <a:defRPr sz="1800" b="0" i="0"/>
                       </a:pPr>
                       <a:r>
                         <a:rPr sz="2000">
@@ -3194,7 +3290,7 @@
                       </a:r>
                     </a:p>
                   </a:txBody>
-                  <a:tcPr marL="9525" marR="9525" marT="9525" marB="9525" anchor="b" anchorCtr="0" horzOverflow="overflow">
+                  <a:tcPr marL="9525" marR="9525" marT="9525" marB="9525" anchor="b" horzOverflow="overflow">
                     <a:lnL w="12700">
                       <a:solidFill>
                         <a:srgbClr val="000000"/>
@@ -3209,7 +3305,7 @@
                     <a:lstStyle/>
                     <a:p>
                       <a:pPr lvl="0" algn="ctr">
-                        <a:defRPr b="0" i="0" sz="1800"/>
+                        <a:defRPr sz="1800" b="0" i="0"/>
                       </a:pPr>
                       <a:r>
                         <a:rPr sz="2000">
@@ -3222,15 +3318,15 @@
                       </a:r>
                     </a:p>
                   </a:txBody>
-                  <a:tcPr marL="9525" marR="9525" marT="9525" marB="9525" anchor="b" anchorCtr="0" horzOverflow="overflow"/>
-                </a:tc>
-                <a:tc>
-                  <a:txBody>
-                    <a:bodyPr/>
-                    <a:lstStyle/>
-                    <a:p>
-                      <a:pPr lvl="0" algn="ctr">
-                        <a:defRPr b="0" i="0" sz="1800"/>
+                  <a:tcPr marL="9525" marR="9525" marT="9525" marB="9525" anchor="b" horzOverflow="overflow"/>
+                </a:tc>
+                <a:tc>
+                  <a:txBody>
+                    <a:bodyPr/>
+                    <a:lstStyle/>
+                    <a:p>
+                      <a:pPr lvl="0" algn="ctr">
+                        <a:defRPr sz="1800" b="0" i="0"/>
                       </a:pPr>
                       <a:r>
                         <a:rPr sz="2000">
@@ -3243,15 +3339,15 @@
                       </a:r>
                     </a:p>
                   </a:txBody>
-                  <a:tcPr marL="9525" marR="9525" marT="9525" marB="9525" anchor="b" anchorCtr="0" horzOverflow="overflow"/>
-                </a:tc>
-                <a:tc>
-                  <a:txBody>
-                    <a:bodyPr/>
-                    <a:lstStyle/>
-                    <a:p>
-                      <a:pPr lvl="0" algn="ctr">
-                        <a:defRPr b="0" i="0" sz="1800"/>
+                  <a:tcPr marL="9525" marR="9525" marT="9525" marB="9525" anchor="b" horzOverflow="overflow"/>
+                </a:tc>
+                <a:tc>
+                  <a:txBody>
+                    <a:bodyPr/>
+                    <a:lstStyle/>
+                    <a:p>
+                      <a:pPr lvl="0" algn="ctr">
+                        <a:defRPr sz="1800" b="0" i="0"/>
                       </a:pPr>
                       <a:r>
                         <a:rPr sz="2000">
@@ -3264,15 +3360,15 @@
                       </a:r>
                     </a:p>
                   </a:txBody>
-                  <a:tcPr marL="5059" marR="5059" marT="5059" marB="5059" anchor="ctr" anchorCtr="0" horzOverflow="overflow"/>
-                </a:tc>
-                <a:tc>
-                  <a:txBody>
-                    <a:bodyPr/>
-                    <a:lstStyle/>
-                    <a:p>
-                      <a:pPr lvl="0" algn="ctr">
-                        <a:defRPr b="0" i="0" sz="1800"/>
+                  <a:tcPr marL="5059" marR="5059" marT="5059" marB="5059" anchor="ctr" horzOverflow="overflow"/>
+                </a:tc>
+                <a:tc>
+                  <a:txBody>
+                    <a:bodyPr/>
+                    <a:lstStyle/>
+                    <a:p>
+                      <a:pPr lvl="0" algn="ctr">
+                        <a:defRPr sz="1800" b="0" i="0"/>
                       </a:pPr>
                       <a:r>
                         <a:rPr sz="2000">
@@ -3285,7 +3381,7 @@
                       </a:r>
                     </a:p>
                   </a:txBody>
-                  <a:tcPr marL="5059" marR="5059" marT="5059" marB="5059" anchor="ctr" anchorCtr="0" horzOverflow="overflow">
+                  <a:tcPr marL="5059" marR="5059" marT="5059" marB="5059" anchor="ctr" horzOverflow="overflow">
                     <a:lnR w="12700">
                       <a:solidFill>
                         <a:srgbClr val="000000"/>
@@ -3302,7 +3398,7 @@
                     <a:lstStyle/>
                     <a:p>
                       <a:pPr lvl="0" algn="ctr">
-                        <a:defRPr b="0" i="0" sz="1800"/>
+                        <a:defRPr sz="1800" b="0" i="0"/>
                       </a:pPr>
                       <a:r>
                         <a:rPr sz="2000">
@@ -3315,7 +3411,7 @@
                       </a:r>
                     </a:p>
                   </a:txBody>
-                  <a:tcPr marL="5059" marR="5059" marT="5059" marB="5059" anchor="ctr" anchorCtr="0" horzOverflow="overflow">
+                  <a:tcPr marL="5059" marR="5059" marT="5059" marB="5059" anchor="ctr" horzOverflow="overflow">
                     <a:lnL w="12700">
                       <a:solidFill>
                         <a:srgbClr val="000000"/>
@@ -3342,7 +3438,7 @@
                     <a:lstStyle/>
                     <a:p>
                       <a:pPr lvl="0" algn="ctr">
-                        <a:defRPr b="0" i="0" sz="1800"/>
+                        <a:defRPr sz="1800" b="0" i="0"/>
                       </a:pPr>
                       <a:r>
                         <a:rPr sz="2000">
@@ -3355,7 +3451,7 @@
                       </a:r>
                     </a:p>
                   </a:txBody>
-                  <a:tcPr marL="9525" marR="9525" marT="9525" marB="9525" anchor="ctr" anchorCtr="0" horzOverflow="overflow">
+                  <a:tcPr marL="9525" marR="9525" marT="9525" marB="9525" anchor="ctr" horzOverflow="overflow">
                     <a:lnL w="12700">
                       <a:solidFill>
                         <a:srgbClr val="000000"/>
@@ -3376,7 +3472,7 @@
                     <a:lstStyle/>
                     <a:p>
                       <a:pPr lvl="0" algn="ctr">
-                        <a:defRPr b="0" i="0" sz="1800"/>
+                        <a:defRPr sz="1800" b="0" i="0"/>
                       </a:pPr>
                       <a:r>
                         <a:rPr sz="2000">
@@ -3389,7 +3485,7 @@
                       </a:r>
                     </a:p>
                   </a:txBody>
-                  <a:tcPr marL="9525" marR="9525" marT="9525" marB="9525" anchor="ctr" anchorCtr="0" horzOverflow="overflow">
+                  <a:tcPr marL="9525" marR="9525" marT="9525" marB="9525" anchor="ctr" horzOverflow="overflow">
                     <a:lnB w="12700">
                       <a:solidFill>
                         <a:srgbClr val="000000"/>
@@ -3404,7 +3500,7 @@
                     <a:lstStyle/>
                     <a:p>
                       <a:pPr lvl="0" algn="ctr">
-                        <a:defRPr b="0" i="0" sz="1800"/>
+                        <a:defRPr sz="1800" b="0" i="0"/>
                       </a:pPr>
                       <a:r>
                         <a:rPr sz="2000">
@@ -3417,7 +3513,7 @@
                       </a:r>
                     </a:p>
                   </a:txBody>
-                  <a:tcPr marL="9525" marR="9525" marT="9525" marB="9525" anchor="ctr" anchorCtr="0" horzOverflow="overflow">
+                  <a:tcPr marL="9525" marR="9525" marT="9525" marB="9525" anchor="ctr" horzOverflow="overflow">
                     <a:lnB w="12700">
                       <a:solidFill>
                         <a:srgbClr val="000000"/>
@@ -3432,7 +3528,7 @@
                     <a:lstStyle/>
                     <a:p>
                       <a:pPr lvl="0" algn="ctr">
-                        <a:defRPr b="0" i="0" sz="1800"/>
+                        <a:defRPr sz="1800" b="0" i="0"/>
                       </a:pPr>
                       <a:r>
                         <a:rPr sz="2000">
@@ -3445,7 +3541,7 @@
                       </a:r>
                     </a:p>
                   </a:txBody>
-                  <a:tcPr marL="5059" marR="5059" marT="5059" marB="5059" anchor="ctr" anchorCtr="0" horzOverflow="overflow">
+                  <a:tcPr marL="5059" marR="5059" marT="5059" marB="5059" anchor="ctr" horzOverflow="overflow">
                     <a:lnB w="12700">
                       <a:solidFill>
                         <a:srgbClr val="000000"/>
@@ -3460,10 +3556,10 @@
                     <a:lstStyle/>
                     <a:p>
                       <a:pPr lvl="0" algn="ctr">
-                        <a:defRPr b="0" i="0" sz="1800"/>
-                      </a:pPr>
-                      <a:r>
-                        <a:rPr sz="2000">
+                        <a:defRPr sz="1800" b="0" i="0"/>
+                      </a:pPr>
+                      <a:r>
+                        <a:rPr sz="2000" dirty="0">
                           <a:latin typeface="Times New Roman"/>
                           <a:ea typeface="Times New Roman"/>
                           <a:cs typeface="Times New Roman"/>
@@ -3473,7 +3569,7 @@
                       </a:r>
                     </a:p>
                   </a:txBody>
-                  <a:tcPr marL="5059" marR="5059" marT="5059" marB="5059" anchor="ctr" anchorCtr="0" horzOverflow="overflow">
+                  <a:tcPr marL="5059" marR="5059" marT="5059" marB="5059" anchor="ctr" horzOverflow="overflow">
                     <a:lnR w="12700">
                       <a:solidFill>
                         <a:srgbClr val="000000"/>
@@ -3495,31 +3591,37 @@
       </p:graphicFrame>
       <p:graphicFrame>
         <p:nvGraphicFramePr>
-          <p:cNvPr id="50" name="Table 50"/>
+          <p:cNvPr id="7" name="Table 50"/>
           <p:cNvGraphicFramePr/>
-          <p:nvPr/>
+          <p:nvPr>
+            <p:extLst>
+              <p:ext uri="{D42A27DB-BD31-4B8C-83A1-F6EECF244321}">
+                <p14:modId xmlns:p14="http://schemas.microsoft.com/office/powerpoint/2010/main" val="1106474190"/>
+              </p:ext>
+            </p:extLst>
+          </p:nvPr>
         </p:nvGraphicFramePr>
         <p:xfrm>
-          <a:off x="42598" y="54790"/>
-          <a:ext cx="9144426" cy="2048100"/>
+          <a:off x="21266" y="54790"/>
+          <a:ext cx="9118988" cy="2204426"/>
         </p:xfrm>
-        <a:graphic xmlns:a="http://schemas.openxmlformats.org/drawingml/2006/main">
+        <a:graphic>
           <a:graphicData uri="http://schemas.openxmlformats.org/drawingml/2006/table">
             <a:tbl>
-              <a:tblPr firstCol="0" firstRow="0" lastCol="0" lastRow="0" bandCol="0" bandRow="0" rtl="0">
+              <a:tblPr>
                 <a:tableStyleId>{4C3C2611-4C71-4FC5-86AE-919BDF0F9419}</a:tableStyleId>
               </a:tblPr>
               <a:tblGrid>
-                <a:gridCol w="1048215"/>
-                <a:gridCol w="1490565"/>
-                <a:gridCol w="1492754"/>
-                <a:gridCol w="855376"/>
-                <a:gridCol w="630162"/>
-                <a:gridCol w="698589"/>
-                <a:gridCol w="474273"/>
-                <a:gridCol w="587155"/>
-                <a:gridCol w="767342"/>
-                <a:gridCol w="1087290"/>
+                <a:gridCol w="1177492"/>
+                <a:gridCol w="906112"/>
+                <a:gridCol w="1153061"/>
+                <a:gridCol w="960870"/>
+                <a:gridCol w="707881"/>
+                <a:gridCol w="784746"/>
+                <a:gridCol w="669400"/>
+                <a:gridCol w="659569"/>
+                <a:gridCol w="938676"/>
+                <a:gridCol w="1161181"/>
               </a:tblGrid>
               <a:tr h="290771">
                 <a:tc>
@@ -3528,17 +3630,12 @@
                     <a:lstStyle/>
                     <a:p>
                       <a:pPr lvl="0" algn="ctr">
-                        <a:defRPr b="0" i="0" sz="1800"/>
-                      </a:pPr>
-                      <a:r>
-                        <a:rPr>
-                          <a:sym typeface="Helvetica Neue"/>
-                        </a:rPr>
-                        <a:t/>
-                      </a:r>
-                    </a:p>
-                  </a:txBody>
-                  <a:tcPr marL="5059" marR="5059" marT="5059" marB="5059" anchor="ctr" anchorCtr="0" horzOverflow="overflow">
+                        <a:defRPr sz="1800" b="0" i="0"/>
+                      </a:pPr>
+                      <a:endParaRPr dirty="0"/>
+                    </a:p>
+                  </a:txBody>
+                  <a:tcPr marL="5059" marR="5059" marT="5059" marB="5059" anchor="ctr" horzOverflow="overflow">
                     <a:lnL w="12700">
                       <a:solidFill>
                         <a:srgbClr val="000000"/>
@@ -3571,17 +3668,12 @@
                     <a:lstStyle/>
                     <a:p>
                       <a:pPr lvl="0" algn="ctr">
-                        <a:defRPr b="0" i="0" sz="1800"/>
-                      </a:pPr>
-                      <a:r>
-                        <a:rPr>
-                          <a:sym typeface="Helvetica Neue"/>
-                        </a:rPr>
-                        <a:t/>
-                      </a:r>
-                    </a:p>
-                  </a:txBody>
-                  <a:tcPr marL="5059" marR="5059" marT="5059" marB="5059" anchor="ctr" anchorCtr="0" horzOverflow="overflow">
+                        <a:defRPr sz="1800" b="0" i="0"/>
+                      </a:pPr>
+                      <a:endParaRPr/>
+                    </a:p>
+                  </a:txBody>
+                  <a:tcPr marL="5059" marR="5059" marT="5059" marB="5059" anchor="ctr" horzOverflow="overflow">
                     <a:lnL w="12700">
                       <a:solidFill>
                         <a:srgbClr val="000000"/>
@@ -3614,17 +3706,12 @@
                     <a:lstStyle/>
                     <a:p>
                       <a:pPr lvl="0" algn="ctr">
-                        <a:defRPr b="0" i="0" sz="1800"/>
-                      </a:pPr>
-                      <a:r>
-                        <a:rPr>
-                          <a:sym typeface="Helvetica Neue"/>
-                        </a:rPr>
-                        <a:t/>
-                      </a:r>
-                    </a:p>
-                  </a:txBody>
-                  <a:tcPr marL="5059" marR="5059" marT="5059" marB="5059" anchor="ctr" anchorCtr="0" horzOverflow="overflow">
+                        <a:defRPr sz="1800" b="0" i="0"/>
+                      </a:pPr>
+                      <a:endParaRPr/>
+                    </a:p>
+                  </a:txBody>
+                  <a:tcPr marL="5059" marR="5059" marT="5059" marB="5059" anchor="ctr" horzOverflow="overflow">
                     <a:lnL w="12700">
                       <a:solidFill>
                         <a:srgbClr val="000000"/>
@@ -3657,7 +3744,7 @@
                     <a:lstStyle/>
                     <a:p>
                       <a:pPr lvl="0" algn="ctr">
-                        <a:defRPr b="0" i="0" sz="1800"/>
+                        <a:defRPr sz="1800" b="0" i="0"/>
                       </a:pPr>
                       <a:r>
                         <a:rPr sz="2000">
@@ -3670,7 +3757,7 @@
                       </a:r>
                     </a:p>
                   </a:txBody>
-                  <a:tcPr marL="5059" marR="5059" marT="5059" marB="5059" anchor="ctr" anchorCtr="0" horzOverflow="overflow">
+                  <a:tcPr marL="5059" marR="5059" marT="5059" marB="5059" anchor="ctr" horzOverflow="overflow">
                     <a:lnL w="12700">
                       <a:solidFill>
                         <a:srgbClr val="000000"/>
@@ -3698,12 +3785,33 @@
                   </a:tcPr>
                 </a:tc>
                 <a:tc hMerge="1">
+                  <a:txBody>
+                    <a:bodyPr/>
+                    <a:lstStyle/>
+                    <a:p>
+                      <a:endParaRPr lang="ja-JP"/>
+                    </a:p>
+                  </a:txBody>
                   <a:tcPr/>
                 </a:tc>
                 <a:tc hMerge="1">
+                  <a:txBody>
+                    <a:bodyPr/>
+                    <a:lstStyle/>
+                    <a:p>
+                      <a:endParaRPr lang="ja-JP"/>
+                    </a:p>
+                  </a:txBody>
                   <a:tcPr/>
                 </a:tc>
                 <a:tc hMerge="1">
+                  <a:txBody>
+                    <a:bodyPr/>
+                    <a:lstStyle/>
+                    <a:p>
+                      <a:endParaRPr lang="ja-JP"/>
+                    </a:p>
+                  </a:txBody>
                   <a:tcPr/>
                 </a:tc>
                 <a:tc gridSpan="3">
@@ -3712,7 +3820,7 @@
                     <a:lstStyle/>
                     <a:p>
                       <a:pPr lvl="0" algn="ctr">
-                        <a:defRPr b="0" i="0" sz="1800"/>
+                        <a:defRPr sz="1800" b="0" i="0"/>
                       </a:pPr>
                       <a:r>
                         <a:rPr sz="2000">
@@ -3725,7 +3833,7 @@
                       </a:r>
                     </a:p>
                   </a:txBody>
-                  <a:tcPr marL="5059" marR="5059" marT="5059" marB="5059" anchor="ctr" anchorCtr="0" horzOverflow="overflow">
+                  <a:tcPr marL="5059" marR="5059" marT="5059" marB="5059" anchor="ctr" horzOverflow="overflow">
                     <a:lnL w="12700">
                       <a:solidFill>
                         <a:srgbClr val="000000"/>
@@ -3753,9 +3861,23 @@
                   </a:tcPr>
                 </a:tc>
                 <a:tc hMerge="1">
+                  <a:txBody>
+                    <a:bodyPr/>
+                    <a:lstStyle/>
+                    <a:p>
+                      <a:endParaRPr lang="ja-JP"/>
+                    </a:p>
+                  </a:txBody>
                   <a:tcPr/>
                 </a:tc>
                 <a:tc hMerge="1">
+                  <a:txBody>
+                    <a:bodyPr/>
+                    <a:lstStyle/>
+                    <a:p>
+                      <a:endParaRPr lang="ja-JP"/>
+                    </a:p>
+                  </a:txBody>
                   <a:tcPr/>
                 </a:tc>
               </a:tr>
@@ -3766,7 +3888,7 @@
                     <a:lstStyle/>
                     <a:p>
                       <a:pPr lvl="0" algn="ctr">
-                        <a:defRPr b="0" i="0" sz="1800"/>
+                        <a:defRPr sz="1800" b="0" i="0"/>
                       </a:pPr>
                       <a:r>
                         <a:rPr sz="2000">
@@ -3779,7 +3901,7 @@
                       </a:r>
                     </a:p>
                   </a:txBody>
-                  <a:tcPr marL="5059" marR="5059" marT="5059" marB="5059" anchor="ctr" anchorCtr="0" horzOverflow="overflow">
+                  <a:tcPr marL="5059" marR="5059" marT="5059" marB="5059" anchor="ctr" horzOverflow="overflow">
                     <a:lnL w="12700">
                       <a:solidFill>
                         <a:srgbClr val="000000"/>
@@ -3812,7 +3934,7 @@
                     <a:lstStyle/>
                     <a:p>
                       <a:pPr lvl="0" algn="ctr">
-                        <a:defRPr b="0" i="0" sz="1800"/>
+                        <a:defRPr sz="1800" b="0" i="0"/>
                       </a:pPr>
                       <a:r>
                         <a:rPr sz="2000">
@@ -3825,7 +3947,7 @@
                       </a:r>
                     </a:p>
                   </a:txBody>
-                  <a:tcPr marL="5059" marR="5059" marT="5059" marB="5059" anchor="ctr" anchorCtr="0" horzOverflow="overflow">
+                  <a:tcPr marL="5059" marR="5059" marT="5059" marB="5059" anchor="ctr" horzOverflow="overflow">
                     <a:lnL w="12700">
                       <a:solidFill>
                         <a:srgbClr val="000000"/>
@@ -3858,7 +3980,7 @@
                     <a:lstStyle/>
                     <a:p>
                       <a:pPr lvl="0" algn="ctr">
-                        <a:defRPr b="0" i="0" sz="1800"/>
+                        <a:defRPr sz="1800" b="0" i="0"/>
                       </a:pPr>
                       <a:r>
                         <a:rPr sz="2000">
@@ -3871,7 +3993,7 @@
                       </a:r>
                     </a:p>
                   </a:txBody>
-                  <a:tcPr marL="5059" marR="5059" marT="5059" marB="5059" anchor="ctr" anchorCtr="0" horzOverflow="overflow">
+                  <a:tcPr marL="5059" marR="5059" marT="5059" marB="5059" anchor="ctr" horzOverflow="overflow">
                     <a:lnL w="12700">
                       <a:solidFill>
                         <a:srgbClr val="000000"/>
@@ -3904,7 +4026,7 @@
                     <a:lstStyle/>
                     <a:p>
                       <a:pPr lvl="0" algn="ctr">
-                        <a:defRPr b="0" i="0" sz="1800"/>
+                        <a:defRPr sz="1800" b="0" i="0"/>
                       </a:pPr>
                       <a:r>
                         <a:rPr sz="2000">
@@ -3917,7 +4039,7 @@
                       </a:r>
                     </a:p>
                   </a:txBody>
-                  <a:tcPr marL="5059" marR="5059" marT="5059" marB="5059" anchor="ctr" anchorCtr="0" horzOverflow="overflow">
+                  <a:tcPr marL="5059" marR="5059" marT="5059" marB="5059" anchor="ctr" horzOverflow="overflow">
                     <a:lnL w="12700">
                       <a:solidFill>
                         <a:srgbClr val="000000"/>
@@ -3944,7 +4066,7 @@
                     <a:lstStyle/>
                     <a:p>
                       <a:pPr lvl="0" algn="ctr">
-                        <a:defRPr b="0" i="0" sz="1800"/>
+                        <a:defRPr sz="1800" b="0" i="0"/>
                       </a:pPr>
                       <a:r>
                         <a:rPr sz="2000">
@@ -3957,7 +4079,7 @@
                       </a:r>
                     </a:p>
                   </a:txBody>
-                  <a:tcPr marL="5059" marR="5059" marT="5059" marB="5059" anchor="ctr" anchorCtr="0" horzOverflow="overflow">
+                  <a:tcPr marL="5059" marR="5059" marT="5059" marB="5059" anchor="ctr" horzOverflow="overflow">
                     <a:lnT w="12700">
                       <a:solidFill>
                         <a:srgbClr val="000000"/>
@@ -3978,7 +4100,7 @@
                     <a:lstStyle/>
                     <a:p>
                       <a:pPr lvl="0" algn="ctr">
-                        <a:defRPr b="0" i="0" sz="1800"/>
+                        <a:defRPr sz="1800" b="0" i="0"/>
                       </a:pPr>
                       <a:r>
                         <a:rPr sz="2000">
@@ -3991,7 +4113,7 @@
                       </a:r>
                     </a:p>
                   </a:txBody>
-                  <a:tcPr marL="5059" marR="5059" marT="5059" marB="5059" anchor="ctr" anchorCtr="0" horzOverflow="overflow">
+                  <a:tcPr marL="5059" marR="5059" marT="5059" marB="5059" anchor="ctr" horzOverflow="overflow">
                     <a:lnT w="12700">
                       <a:solidFill>
                         <a:srgbClr val="000000"/>
@@ -4012,7 +4134,7 @@
                     <a:lstStyle/>
                     <a:p>
                       <a:pPr lvl="0" algn="ctr">
-                        <a:defRPr b="0" i="0" sz="1800"/>
+                        <a:defRPr sz="1800" b="0" i="0"/>
                       </a:pPr>
                       <a:r>
                         <a:rPr sz="2000">
@@ -4025,7 +4147,7 @@
                       </a:r>
                     </a:p>
                   </a:txBody>
-                  <a:tcPr marL="5059" marR="5059" marT="5059" marB="5059" anchor="ctr" anchorCtr="0" horzOverflow="overflow">
+                  <a:tcPr marL="5059" marR="5059" marT="5059" marB="5059" anchor="ctr" horzOverflow="overflow">
                     <a:lnR w="12700">
                       <a:solidFill>
                         <a:srgbClr val="000000"/>
@@ -4052,7 +4174,7 @@
                     <a:lstStyle/>
                     <a:p>
                       <a:pPr lvl="0" algn="ctr">
-                        <a:defRPr b="0" i="0" sz="1800"/>
+                        <a:defRPr sz="1800" b="0" i="0"/>
                       </a:pPr>
                       <a:r>
                         <a:rPr sz="2000">
@@ -4065,7 +4187,7 @@
                       </a:r>
                     </a:p>
                   </a:txBody>
-                  <a:tcPr marL="5059" marR="5059" marT="5059" marB="5059" anchor="ctr" anchorCtr="0" horzOverflow="overflow">
+                  <a:tcPr marL="5059" marR="5059" marT="5059" marB="5059" anchor="ctr" horzOverflow="overflow">
                     <a:lnL w="12700">
                       <a:solidFill>
                         <a:srgbClr val="000000"/>
@@ -4092,7 +4214,7 @@
                     <a:lstStyle/>
                     <a:p>
                       <a:pPr lvl="0" algn="ctr">
-                        <a:defRPr b="0" i="0" sz="1800"/>
+                        <a:defRPr sz="1800" b="0" i="0"/>
                       </a:pPr>
                       <a:r>
                         <a:rPr sz="2000">
@@ -4105,7 +4227,7 @@
                       </a:r>
                     </a:p>
                   </a:txBody>
-                  <a:tcPr marL="5059" marR="5059" marT="5059" marB="5059" anchor="ctr" anchorCtr="0" horzOverflow="overflow">
+                  <a:tcPr marL="5059" marR="5059" marT="5059" marB="5059" anchor="ctr" horzOverflow="overflow">
                     <a:lnT w="12700">
                       <a:solidFill>
                         <a:srgbClr val="000000"/>
@@ -4126,7 +4248,7 @@
                     <a:lstStyle/>
                     <a:p>
                       <a:pPr lvl="0" algn="ctr">
-                        <a:defRPr b="0" i="0" sz="1800"/>
+                        <a:defRPr sz="1800" b="0" i="0"/>
                       </a:pPr>
                       <a:r>
                         <a:rPr sz="2000">
@@ -4139,7 +4261,7 @@
                       </a:r>
                     </a:p>
                   </a:txBody>
-                  <a:tcPr marL="5059" marR="5059" marT="5059" marB="5059" anchor="ctr" anchorCtr="0" horzOverflow="overflow">
+                  <a:tcPr marL="5059" marR="5059" marT="5059" marB="5059" anchor="ctr" horzOverflow="overflow">
                     <a:lnR w="12700">
                       <a:solidFill>
                         <a:srgbClr val="000000"/>
@@ -4168,7 +4290,7 @@
                     <a:lstStyle/>
                     <a:p>
                       <a:pPr lvl="0" algn="ctr">
-                        <a:defRPr b="0" i="0" sz="1800"/>
+                        <a:defRPr sz="1800" b="0" i="0"/>
                       </a:pPr>
                       <a:r>
                         <a:rPr sz="2000">
@@ -4181,7 +4303,7 @@
                       </a:r>
                     </a:p>
                   </a:txBody>
-                  <a:tcPr marL="5059" marR="5059" marT="5059" marB="5059" anchor="ctr" anchorCtr="0" horzOverflow="overflow">
+                  <a:tcPr marL="5059" marR="5059" marT="5059" marB="5059" anchor="ctr" horzOverflow="overflow">
                     <a:lnL w="12700">
                       <a:solidFill>
                         <a:srgbClr val="000000"/>
@@ -4208,7 +4330,7 @@
                     <a:lstStyle/>
                     <a:p>
                       <a:pPr lvl="0" algn="ctr">
-                        <a:defRPr b="0" i="0" sz="1800"/>
+                        <a:defRPr sz="1800" b="0" i="0"/>
                       </a:pPr>
                       <a:r>
                         <a:rPr sz="2000">
@@ -4221,7 +4343,7 @@
                       </a:r>
                     </a:p>
                   </a:txBody>
-                  <a:tcPr marL="5059" marR="5059" marT="5059" marB="5059" anchor="ctr" anchorCtr="0" horzOverflow="overflow">
+                  <a:tcPr marL="5059" marR="5059" marT="5059" marB="5059" anchor="ctr" horzOverflow="overflow">
                     <a:lnL w="12700">
                       <a:solidFill>
                         <a:srgbClr val="000000"/>
@@ -4248,7 +4370,7 @@
                     <a:lstStyle/>
                     <a:p>
                       <a:pPr lvl="0" algn="ctr">
-                        <a:defRPr b="0" i="0" sz="1800"/>
+                        <a:defRPr sz="1800" b="0" i="0"/>
                       </a:pPr>
                       <a:r>
                         <a:rPr sz="2000">
@@ -4261,7 +4383,7 @@
                       </a:r>
                     </a:p>
                   </a:txBody>
-                  <a:tcPr marL="5059" marR="5059" marT="5059" marB="5059" anchor="ctr" anchorCtr="0" horzOverflow="overflow">
+                  <a:tcPr marL="5059" marR="5059" marT="5059" marB="5059" anchor="ctr" horzOverflow="overflow">
                     <a:lnL w="12700">
                       <a:solidFill>
                         <a:srgbClr val="000000"/>
@@ -4288,7 +4410,7 @@
                     <a:lstStyle/>
                     <a:p>
                       <a:pPr lvl="0" algn="ctr">
-                        <a:defRPr b="0" i="0" sz="1800"/>
+                        <a:defRPr sz="1800" b="0" i="0"/>
                       </a:pPr>
                       <a:r>
                         <a:rPr sz="2000">
@@ -4301,7 +4423,7 @@
                       </a:r>
                     </a:p>
                   </a:txBody>
-                  <a:tcPr marL="5059" marR="5059" marT="5059" marB="5059" anchor="ctr" anchorCtr="0" horzOverflow="overflow">
+                  <a:tcPr marL="5059" marR="5059" marT="5059" marB="5059" anchor="ctr" horzOverflow="overflow">
                     <a:lnL w="12700">
                       <a:solidFill>
                         <a:srgbClr val="000000"/>
@@ -4322,7 +4444,7 @@
                     <a:lstStyle/>
                     <a:p>
                       <a:pPr lvl="0" algn="ctr">
-                        <a:defRPr b="0" i="0" sz="1800"/>
+                        <a:defRPr sz="1800" b="0" i="0"/>
                       </a:pPr>
                       <a:r>
                         <a:rPr sz="2000">
@@ -4335,7 +4457,7 @@
                       </a:r>
                     </a:p>
                   </a:txBody>
-                  <a:tcPr marL="5059" marR="5059" marT="5059" marB="5059" anchor="ctr" anchorCtr="0" horzOverflow="overflow">
+                  <a:tcPr marL="5059" marR="5059" marT="5059" marB="5059" anchor="ctr" horzOverflow="overflow">
                     <a:lnT w="12700">
                       <a:solidFill>
                         <a:srgbClr val="000000"/>
@@ -4350,7 +4472,7 @@
                     <a:lstStyle/>
                     <a:p>
                       <a:pPr lvl="0" algn="ctr">
-                        <a:defRPr b="0" i="0" sz="1800"/>
+                        <a:defRPr sz="1800" b="0" i="0"/>
                       </a:pPr>
                       <a:r>
                         <a:rPr sz="2000">
@@ -4363,7 +4485,7 @@
                       </a:r>
                     </a:p>
                   </a:txBody>
-                  <a:tcPr marL="5059" marR="5059" marT="5059" marB="5059" anchor="ctr" anchorCtr="0" horzOverflow="overflow">
+                  <a:tcPr marL="5059" marR="5059" marT="5059" marB="5059" anchor="ctr" horzOverflow="overflow">
                     <a:lnT w="12700">
                       <a:solidFill>
                         <a:srgbClr val="000000"/>
@@ -4378,7 +4500,7 @@
                     <a:lstStyle/>
                     <a:p>
                       <a:pPr lvl="0" algn="ctr">
-                        <a:defRPr b="0" i="0" sz="1800"/>
+                        <a:defRPr sz="1800" b="0" i="0"/>
                       </a:pPr>
                       <a:r>
                         <a:rPr sz="2000">
@@ -4391,7 +4513,7 @@
                       </a:r>
                     </a:p>
                   </a:txBody>
-                  <a:tcPr marL="5059" marR="5059" marT="5059" marB="5059" anchor="ctr" anchorCtr="0" horzOverflow="overflow">
+                  <a:tcPr marL="5059" marR="5059" marT="5059" marB="5059" anchor="ctr" horzOverflow="overflow">
                     <a:lnR w="12700">
                       <a:solidFill>
                         <a:srgbClr val="000000"/>
@@ -4412,7 +4534,7 @@
                     <a:lstStyle/>
                     <a:p>
                       <a:pPr lvl="0" algn="ctr">
-                        <a:defRPr b="0" i="0" sz="1800"/>
+                        <a:defRPr sz="1800" b="0" i="0"/>
                       </a:pPr>
                       <a:r>
                         <a:rPr sz="2000">
@@ -4425,7 +4547,7 @@
                       </a:r>
                     </a:p>
                   </a:txBody>
-                  <a:tcPr marL="5059" marR="5059" marT="5059" marB="5059" anchor="ctr" anchorCtr="0" horzOverflow="overflow">
+                  <a:tcPr marL="5059" marR="5059" marT="5059" marB="5059" anchor="ctr" horzOverflow="overflow">
                     <a:lnL w="12700">
                       <a:solidFill>
                         <a:srgbClr val="000000"/>
@@ -4446,7 +4568,7 @@
                     <a:lstStyle/>
                     <a:p>
                       <a:pPr lvl="0" algn="ctr">
-                        <a:defRPr b="0" i="0" sz="1800"/>
+                        <a:defRPr sz="1800" b="0" i="0"/>
                       </a:pPr>
                       <a:r>
                         <a:rPr sz="2000">
@@ -4459,7 +4581,7 @@
                       </a:r>
                     </a:p>
                   </a:txBody>
-                  <a:tcPr marL="5059" marR="5059" marT="5059" marB="5059" anchor="ctr" anchorCtr="0" horzOverflow="overflow">
+                  <a:tcPr marL="5059" marR="5059" marT="5059" marB="5059" anchor="ctr" horzOverflow="overflow">
                     <a:lnT w="12700">
                       <a:solidFill>
                         <a:srgbClr val="000000"/>
@@ -4474,7 +4596,7 @@
                     <a:lstStyle/>
                     <a:p>
                       <a:pPr lvl="0" algn="ctr">
-                        <a:defRPr b="0" i="0" sz="1800"/>
+                        <a:defRPr sz="1800" b="0" i="0"/>
                       </a:pPr>
                       <a:r>
                         <a:rPr sz="2000">
@@ -4487,7 +4609,7 @@
                       </a:r>
                     </a:p>
                   </a:txBody>
-                  <a:tcPr marL="5059" marR="5059" marT="5059" marB="5059" anchor="ctr" anchorCtr="0" horzOverflow="overflow">
+                  <a:tcPr marL="5059" marR="5059" marT="5059" marB="5059" anchor="ctr" horzOverflow="overflow">
                     <a:lnR w="12700">
                       <a:solidFill>
                         <a:srgbClr val="000000"/>
@@ -4510,7 +4632,7 @@
                     <a:lstStyle/>
                     <a:p>
                       <a:pPr lvl="0" algn="ctr">
-                        <a:defRPr b="0" i="0" sz="1800"/>
+                        <a:defRPr sz="1800" b="0" i="0"/>
                       </a:pPr>
                       <a:r>
                         <a:rPr sz="2000">
@@ -4523,7 +4645,7 @@
                       </a:r>
                     </a:p>
                   </a:txBody>
-                  <a:tcPr marL="5059" marR="5059" marT="5059" marB="5059" anchor="ctr" anchorCtr="0" horzOverflow="overflow">
+                  <a:tcPr marL="5059" marR="5059" marT="5059" marB="5059" anchor="ctr" horzOverflow="overflow">
                     <a:lnL w="12700">
                       <a:solidFill>
                         <a:srgbClr val="000000"/>
@@ -4544,7 +4666,7 @@
                     <a:lstStyle/>
                     <a:p>
                       <a:pPr lvl="0" algn="ctr">
-                        <a:defRPr b="0" i="0" sz="1800"/>
+                        <a:defRPr sz="1800" b="0" i="0"/>
                       </a:pPr>
                       <a:r>
                         <a:rPr sz="2000">
@@ -4557,7 +4679,7 @@
                       </a:r>
                     </a:p>
                   </a:txBody>
-                  <a:tcPr marL="5059" marR="5059" marT="5059" marB="5059" anchor="ctr" anchorCtr="0" horzOverflow="overflow">
+                  <a:tcPr marL="5059" marR="5059" marT="5059" marB="5059" anchor="ctr" horzOverflow="overflow">
                     <a:lnL w="12700">
                       <a:solidFill>
                         <a:srgbClr val="000000"/>
@@ -4578,7 +4700,7 @@
                     <a:lstStyle/>
                     <a:p>
                       <a:pPr lvl="0" algn="ctr">
-                        <a:defRPr b="0" i="0" sz="1800"/>
+                        <a:defRPr sz="1800" b="0" i="0"/>
                       </a:pPr>
                       <a:r>
                         <a:rPr sz="2000">
@@ -4591,7 +4713,7 @@
                       </a:r>
                     </a:p>
                   </a:txBody>
-                  <a:tcPr marL="5059" marR="5059" marT="5059" marB="5059" anchor="ctr" anchorCtr="0" horzOverflow="overflow">
+                  <a:tcPr marL="5059" marR="5059" marT="5059" marB="5059" anchor="ctr" horzOverflow="overflow">
                     <a:lnL w="12700">
                       <a:solidFill>
                         <a:srgbClr val="000000"/>
@@ -4612,7 +4734,7 @@
                     <a:lstStyle/>
                     <a:p>
                       <a:pPr lvl="0" algn="ctr">
-                        <a:defRPr b="0" i="0" sz="1800"/>
+                        <a:defRPr sz="1800" b="0" i="0"/>
                       </a:pPr>
                       <a:r>
                         <a:rPr sz="2000">
@@ -4625,7 +4747,7 @@
                       </a:r>
                     </a:p>
                   </a:txBody>
-                  <a:tcPr marL="5059" marR="5059" marT="5059" marB="5059" anchor="ctr" anchorCtr="0" horzOverflow="overflow">
+                  <a:tcPr marL="5059" marR="5059" marT="5059" marB="5059" anchor="ctr" horzOverflow="overflow">
                     <a:lnL w="12700">
                       <a:solidFill>
                         <a:srgbClr val="000000"/>
@@ -4640,7 +4762,7 @@
                     <a:lstStyle/>
                     <a:p>
                       <a:pPr lvl="0" algn="ctr">
-                        <a:defRPr b="0" i="0" sz="1800"/>
+                        <a:defRPr sz="1800" b="0" i="0"/>
                       </a:pPr>
                       <a:r>
                         <a:rPr sz="2000">
@@ -4653,15 +4775,15 @@
                       </a:r>
                     </a:p>
                   </a:txBody>
-                  <a:tcPr marL="5059" marR="5059" marT="5059" marB="5059" anchor="ctr" anchorCtr="0" horzOverflow="overflow"/>
-                </a:tc>
-                <a:tc>
-                  <a:txBody>
-                    <a:bodyPr/>
-                    <a:lstStyle/>
-                    <a:p>
-                      <a:pPr lvl="0" algn="ctr">
-                        <a:defRPr b="0" i="0" sz="1800"/>
+                  <a:tcPr marL="5059" marR="5059" marT="5059" marB="5059" anchor="ctr" horzOverflow="overflow"/>
+                </a:tc>
+                <a:tc>
+                  <a:txBody>
+                    <a:bodyPr/>
+                    <a:lstStyle/>
+                    <a:p>
+                      <a:pPr lvl="0" algn="ctr">
+                        <a:defRPr sz="1800" b="0" i="0"/>
                       </a:pPr>
                       <a:r>
                         <a:rPr sz="2000">
@@ -4674,15 +4796,15 @@
                       </a:r>
                     </a:p>
                   </a:txBody>
-                  <a:tcPr marL="5059" marR="5059" marT="5059" marB="5059" anchor="ctr" anchorCtr="0" horzOverflow="overflow"/>
-                </a:tc>
-                <a:tc>
-                  <a:txBody>
-                    <a:bodyPr/>
-                    <a:lstStyle/>
-                    <a:p>
-                      <a:pPr lvl="0" algn="ctr">
-                        <a:defRPr b="0" i="0" sz="1800"/>
+                  <a:tcPr marL="5059" marR="5059" marT="5059" marB="5059" anchor="ctr" horzOverflow="overflow"/>
+                </a:tc>
+                <a:tc>
+                  <a:txBody>
+                    <a:bodyPr/>
+                    <a:lstStyle/>
+                    <a:p>
+                      <a:pPr lvl="0" algn="ctr">
+                        <a:defRPr sz="1800" b="0" i="0"/>
                       </a:pPr>
                       <a:r>
                         <a:rPr sz="2000">
@@ -4695,7 +4817,7 @@
                       </a:r>
                     </a:p>
                   </a:txBody>
-                  <a:tcPr marL="5059" marR="5059" marT="5059" marB="5059" anchor="ctr" anchorCtr="0" horzOverflow="overflow">
+                  <a:tcPr marL="5059" marR="5059" marT="5059" marB="5059" anchor="ctr" horzOverflow="overflow">
                     <a:lnR w="12700">
                       <a:solidFill>
                         <a:srgbClr val="000000"/>
@@ -4710,7 +4832,7 @@
                     <a:lstStyle/>
                     <a:p>
                       <a:pPr lvl="0" algn="ctr">
-                        <a:defRPr b="0" i="0" sz="1800"/>
+                        <a:defRPr sz="1800" b="0" i="0"/>
                       </a:pPr>
                       <a:r>
                         <a:rPr sz="2000">
@@ -4723,7 +4845,7 @@
                       </a:r>
                     </a:p>
                   </a:txBody>
-                  <a:tcPr marL="5059" marR="5059" marT="5059" marB="5059" anchor="ctr" anchorCtr="0" horzOverflow="overflow">
+                  <a:tcPr marL="5059" marR="5059" marT="5059" marB="5059" anchor="ctr" horzOverflow="overflow">
                     <a:lnL w="12700">
                       <a:solidFill>
                         <a:srgbClr val="000000"/>
@@ -4738,7 +4860,7 @@
                     <a:lstStyle/>
                     <a:p>
                       <a:pPr lvl="0" algn="ctr">
-                        <a:defRPr b="0" i="0" sz="1800"/>
+                        <a:defRPr sz="1800" b="0" i="0"/>
                       </a:pPr>
                       <a:r>
                         <a:rPr sz="2000">
@@ -4751,15 +4873,15 @@
                       </a:r>
                     </a:p>
                   </a:txBody>
-                  <a:tcPr marL="5059" marR="5059" marT="5059" marB="5059" anchor="ctr" anchorCtr="0" horzOverflow="overflow"/>
-                </a:tc>
-                <a:tc>
-                  <a:txBody>
-                    <a:bodyPr/>
-                    <a:lstStyle/>
-                    <a:p>
-                      <a:pPr lvl="0" algn="ctr">
-                        <a:defRPr b="0" i="0" sz="1800"/>
+                  <a:tcPr marL="5059" marR="5059" marT="5059" marB="5059" anchor="ctr" horzOverflow="overflow"/>
+                </a:tc>
+                <a:tc>
+                  <a:txBody>
+                    <a:bodyPr/>
+                    <a:lstStyle/>
+                    <a:p>
+                      <a:pPr lvl="0" algn="ctr">
+                        <a:defRPr sz="1800" b="0" i="0"/>
                       </a:pPr>
                       <a:r>
                         <a:rPr sz="2000">
@@ -4772,7 +4894,7 @@
                       </a:r>
                     </a:p>
                   </a:txBody>
-                  <a:tcPr marL="5059" marR="5059" marT="5059" marB="5059" anchor="ctr" anchorCtr="0" horzOverflow="overflow">
+                  <a:tcPr marL="5059" marR="5059" marT="5059" marB="5059" anchor="ctr" horzOverflow="overflow">
                     <a:lnR w="12700">
                       <a:solidFill>
                         <a:srgbClr val="000000"/>
@@ -4789,10 +4911,10 @@
                     <a:lstStyle/>
                     <a:p>
                       <a:pPr lvl="0" algn="ctr">
-                        <a:defRPr b="0" i="0" sz="1800"/>
-                      </a:pPr>
-                      <a:r>
-                        <a:rPr sz="2000">
+                        <a:defRPr sz="1800" b="0" i="0"/>
+                      </a:pPr>
+                      <a:r>
+                        <a:rPr sz="2000" dirty="0">
                           <a:latin typeface="Times New Roman"/>
                           <a:ea typeface="Times New Roman"/>
                           <a:cs typeface="Times New Roman"/>
@@ -4802,7 +4924,7 @@
                       </a:r>
                     </a:p>
                   </a:txBody>
-                  <a:tcPr marL="5059" marR="5059" marT="5059" marB="5059" anchor="ctr" anchorCtr="0" horzOverflow="overflow">
+                  <a:tcPr marL="5059" marR="5059" marT="5059" marB="5059" anchor="ctr" horzOverflow="overflow">
                     <a:lnL w="12700">
                       <a:solidFill>
                         <a:srgbClr val="000000"/>
@@ -4823,7 +4945,7 @@
                     <a:lstStyle/>
                     <a:p>
                       <a:pPr lvl="0" algn="ctr">
-                        <a:defRPr b="0" i="0" sz="1800"/>
+                        <a:defRPr sz="1800" b="0" i="0"/>
                       </a:pPr>
                       <a:r>
                         <a:rPr sz="2000">
@@ -4836,7 +4958,7 @@
                       </a:r>
                     </a:p>
                   </a:txBody>
-                  <a:tcPr marL="5059" marR="5059" marT="5059" marB="5059" anchor="ctr" anchorCtr="0" horzOverflow="overflow">
+                  <a:tcPr marL="5059" marR="5059" marT="5059" marB="5059" anchor="ctr" horzOverflow="overflow">
                     <a:lnL w="12700">
                       <a:solidFill>
                         <a:srgbClr val="000000"/>
@@ -4857,10 +4979,10 @@
                     <a:lstStyle/>
                     <a:p>
                       <a:pPr lvl="0" algn="ctr">
-                        <a:defRPr b="0" i="0" sz="1800"/>
-                      </a:pPr>
-                      <a:r>
-                        <a:rPr sz="2000">
+                        <a:defRPr sz="1800" b="0" i="0"/>
+                      </a:pPr>
+                      <a:r>
+                        <a:rPr sz="2000" dirty="0">
                           <a:latin typeface="Times New Roman"/>
                           <a:ea typeface="Times New Roman"/>
                           <a:cs typeface="Times New Roman"/>
@@ -4870,7 +4992,7 @@
                       </a:r>
                     </a:p>
                   </a:txBody>
-                  <a:tcPr marL="5059" marR="5059" marT="5059" marB="5059" anchor="ctr" anchorCtr="0" horzOverflow="overflow">
+                  <a:tcPr marL="5059" marR="5059" marT="5059" marB="5059" anchor="ctr" horzOverflow="overflow">
                     <a:lnL w="12700">
                       <a:solidFill>
                         <a:srgbClr val="000000"/>
@@ -4891,7 +5013,7 @@
                     <a:lstStyle/>
                     <a:p>
                       <a:pPr lvl="0" algn="ctr">
-                        <a:defRPr b="0" i="0" sz="1800"/>
+                        <a:defRPr sz="1800" b="0" i="0"/>
                       </a:pPr>
                       <a:r>
                         <a:rPr sz="2000">
@@ -4904,7 +5026,7 @@
                       </a:r>
                     </a:p>
                   </a:txBody>
-                  <a:tcPr marL="5059" marR="5059" marT="5059" marB="5059" anchor="ctr" anchorCtr="0" horzOverflow="overflow">
+                  <a:tcPr marL="5059" marR="5059" marT="5059" marB="5059" anchor="ctr" horzOverflow="overflow">
                     <a:lnL w="12700">
                       <a:solidFill>
                         <a:srgbClr val="000000"/>
@@ -4919,7 +5041,7 @@
                     <a:lstStyle/>
                     <a:p>
                       <a:pPr lvl="0" algn="ctr">
-                        <a:defRPr b="0" i="0" sz="1800"/>
+                        <a:defRPr sz="1800" b="0" i="0"/>
                       </a:pPr>
                       <a:r>
                         <a:rPr sz="2000">
@@ -4932,15 +5054,15 @@
                       </a:r>
                     </a:p>
                   </a:txBody>
-                  <a:tcPr marL="5059" marR="5059" marT="5059" marB="5059" anchor="ctr" anchorCtr="0" horzOverflow="overflow"/>
-                </a:tc>
-                <a:tc>
-                  <a:txBody>
-                    <a:bodyPr/>
-                    <a:lstStyle/>
-                    <a:p>
-                      <a:pPr lvl="0" algn="ctr">
-                        <a:defRPr b="0" i="0" sz="1800"/>
+                  <a:tcPr marL="5059" marR="5059" marT="5059" marB="5059" anchor="ctr" horzOverflow="overflow"/>
+                </a:tc>
+                <a:tc>
+                  <a:txBody>
+                    <a:bodyPr/>
+                    <a:lstStyle/>
+                    <a:p>
+                      <a:pPr lvl="0" algn="ctr">
+                        <a:defRPr sz="1800" b="0" i="0"/>
                       </a:pPr>
                       <a:r>
                         <a:rPr sz="2000">
@@ -4953,15 +5075,15 @@
                       </a:r>
                     </a:p>
                   </a:txBody>
-                  <a:tcPr marL="5059" marR="5059" marT="5059" marB="5059" anchor="ctr" anchorCtr="0" horzOverflow="overflow"/>
-                </a:tc>
-                <a:tc>
-                  <a:txBody>
-                    <a:bodyPr/>
-                    <a:lstStyle/>
-                    <a:p>
-                      <a:pPr lvl="0" algn="ctr">
-                        <a:defRPr b="0" i="0" sz="1800"/>
+                  <a:tcPr marL="5059" marR="5059" marT="5059" marB="5059" anchor="ctr" horzOverflow="overflow"/>
+                </a:tc>
+                <a:tc>
+                  <a:txBody>
+                    <a:bodyPr/>
+                    <a:lstStyle/>
+                    <a:p>
+                      <a:pPr lvl="0" algn="ctr">
+                        <a:defRPr sz="1800" b="0" i="0"/>
                       </a:pPr>
                       <a:r>
                         <a:rPr sz="2000">
@@ -4974,7 +5096,7 @@
                       </a:r>
                     </a:p>
                   </a:txBody>
-                  <a:tcPr marL="5059" marR="5059" marT="5059" marB="5059" anchor="ctr" anchorCtr="0" horzOverflow="overflow">
+                  <a:tcPr marL="5059" marR="5059" marT="5059" marB="5059" anchor="ctr" horzOverflow="overflow">
                     <a:lnR w="12700">
                       <a:solidFill>
                         <a:srgbClr val="000000"/>
@@ -4989,7 +5111,7 @@
                     <a:lstStyle/>
                     <a:p>
                       <a:pPr lvl="0" algn="ctr">
-                        <a:defRPr b="0" i="0" sz="1800"/>
+                        <a:defRPr sz="1800" b="0" i="0"/>
                       </a:pPr>
                       <a:r>
                         <a:rPr sz="2000">
@@ -5002,7 +5124,7 @@
                       </a:r>
                     </a:p>
                   </a:txBody>
-                  <a:tcPr marL="5059" marR="5059" marT="5059" marB="5059" anchor="ctr" anchorCtr="0" horzOverflow="overflow">
+                  <a:tcPr marL="5059" marR="5059" marT="5059" marB="5059" anchor="ctr" horzOverflow="overflow">
                     <a:lnL w="12700">
                       <a:solidFill>
                         <a:srgbClr val="000000"/>
@@ -5017,7 +5139,7 @@
                     <a:lstStyle/>
                     <a:p>
                       <a:pPr lvl="0" algn="ctr">
-                        <a:defRPr b="0" i="0" sz="1800"/>
+                        <a:defRPr sz="1800" b="0" i="0"/>
                       </a:pPr>
                       <a:r>
                         <a:rPr sz="2000">
@@ -5030,15 +5152,15 @@
                       </a:r>
                     </a:p>
                   </a:txBody>
-                  <a:tcPr marL="5059" marR="5059" marT="5059" marB="5059" anchor="ctr" anchorCtr="0" horzOverflow="overflow"/>
-                </a:tc>
-                <a:tc>
-                  <a:txBody>
-                    <a:bodyPr/>
-                    <a:lstStyle/>
-                    <a:p>
-                      <a:pPr lvl="0" algn="ctr">
-                        <a:defRPr b="0" i="0" sz="1800"/>
+                  <a:tcPr marL="5059" marR="5059" marT="5059" marB="5059" anchor="ctr" horzOverflow="overflow"/>
+                </a:tc>
+                <a:tc>
+                  <a:txBody>
+                    <a:bodyPr/>
+                    <a:lstStyle/>
+                    <a:p>
+                      <a:pPr lvl="0" algn="ctr">
+                        <a:defRPr sz="1800" b="0" i="0"/>
                       </a:pPr>
                       <a:r>
                         <a:rPr sz="2000">
@@ -5051,7 +5173,7 @@
                       </a:r>
                     </a:p>
                   </a:txBody>
-                  <a:tcPr marL="5059" marR="5059" marT="5059" marB="5059" anchor="ctr" anchorCtr="0" horzOverflow="overflow">
+                  <a:tcPr marL="5059" marR="5059" marT="5059" marB="5059" anchor="ctr" horzOverflow="overflow">
                     <a:lnR w="12700">
                       <a:solidFill>
                         <a:srgbClr val="000000"/>
@@ -5068,7 +5190,7 @@
                     <a:lstStyle/>
                     <a:p>
                       <a:pPr lvl="0" algn="ctr">
-                        <a:defRPr b="0" i="0" sz="1800"/>
+                        <a:defRPr sz="1800" b="0" i="0"/>
                       </a:pPr>
                       <a:r>
                         <a:rPr sz="2000">
@@ -5081,7 +5203,7 @@
                       </a:r>
                     </a:p>
                   </a:txBody>
-                  <a:tcPr marL="5059" marR="5059" marT="5059" marB="5059" anchor="ctr" anchorCtr="0" horzOverflow="overflow">
+                  <a:tcPr marL="5059" marR="5059" marT="5059" marB="5059" anchor="ctr" horzOverflow="overflow">
                     <a:lnL w="12700">
                       <a:solidFill>
                         <a:srgbClr val="000000"/>
@@ -5102,7 +5224,7 @@
                     <a:lstStyle/>
                     <a:p>
                       <a:pPr lvl="0" algn="ctr">
-                        <a:defRPr b="0" i="0" sz="1800"/>
+                        <a:defRPr sz="1800" b="0" i="0"/>
                       </a:pPr>
                       <a:r>
                         <a:rPr sz="2000">
@@ -5115,7 +5237,7 @@
                       </a:r>
                     </a:p>
                   </a:txBody>
-                  <a:tcPr marL="5059" marR="5059" marT="5059" marB="5059" anchor="ctr" anchorCtr="0" horzOverflow="overflow">
+                  <a:tcPr marL="5059" marR="5059" marT="5059" marB="5059" anchor="ctr" horzOverflow="overflow">
                     <a:lnL w="12700">
                       <a:solidFill>
                         <a:srgbClr val="000000"/>
@@ -5136,7 +5258,7 @@
                     <a:lstStyle/>
                     <a:p>
                       <a:pPr lvl="0" algn="ctr">
-                        <a:defRPr b="0" i="0" sz="1800"/>
+                        <a:defRPr sz="1800" b="0" i="0"/>
                       </a:pPr>
                       <a:r>
                         <a:rPr sz="2000">
@@ -5149,7 +5271,7 @@
                       </a:r>
                     </a:p>
                   </a:txBody>
-                  <a:tcPr marL="5059" marR="5059" marT="5059" marB="5059" anchor="ctr" anchorCtr="0" horzOverflow="overflow">
+                  <a:tcPr marL="5059" marR="5059" marT="5059" marB="5059" anchor="ctr" horzOverflow="overflow">
                     <a:lnL w="12700">
                       <a:solidFill>
                         <a:srgbClr val="000000"/>
@@ -5170,7 +5292,7 @@
                     <a:lstStyle/>
                     <a:p>
                       <a:pPr lvl="0" algn="ctr">
-                        <a:defRPr b="0" i="0" sz="1800"/>
+                        <a:defRPr sz="1800" b="0" i="0"/>
                       </a:pPr>
                       <a:r>
                         <a:rPr sz="2000">
@@ -5183,7 +5305,7 @@
                       </a:r>
                     </a:p>
                   </a:txBody>
-                  <a:tcPr marL="5059" marR="5059" marT="5059" marB="5059" anchor="ctr" anchorCtr="0" horzOverflow="overflow">
+                  <a:tcPr marL="5059" marR="5059" marT="5059" marB="5059" anchor="ctr" horzOverflow="overflow">
                     <a:lnL w="12700">
                       <a:solidFill>
                         <a:srgbClr val="000000"/>
@@ -5198,7 +5320,7 @@
                     <a:lstStyle/>
                     <a:p>
                       <a:pPr lvl="0" algn="ctr">
-                        <a:defRPr b="0" i="0" sz="1800"/>
+                        <a:defRPr sz="1800" b="0" i="0"/>
                       </a:pPr>
                       <a:r>
                         <a:rPr sz="2000">
@@ -5211,15 +5333,15 @@
                       </a:r>
                     </a:p>
                   </a:txBody>
-                  <a:tcPr marL="5059" marR="5059" marT="5059" marB="5059" anchor="ctr" anchorCtr="0" horzOverflow="overflow"/>
-                </a:tc>
-                <a:tc>
-                  <a:txBody>
-                    <a:bodyPr/>
-                    <a:lstStyle/>
-                    <a:p>
-                      <a:pPr lvl="0" algn="ctr">
-                        <a:defRPr b="0" i="0" sz="1800"/>
+                  <a:tcPr marL="5059" marR="5059" marT="5059" marB="5059" anchor="ctr" horzOverflow="overflow"/>
+                </a:tc>
+                <a:tc>
+                  <a:txBody>
+                    <a:bodyPr/>
+                    <a:lstStyle/>
+                    <a:p>
+                      <a:pPr lvl="0" algn="ctr">
+                        <a:defRPr sz="1800" b="0" i="0"/>
                       </a:pPr>
                       <a:r>
                         <a:rPr sz="2000">
@@ -5232,15 +5354,15 @@
                       </a:r>
                     </a:p>
                   </a:txBody>
-                  <a:tcPr marL="5059" marR="5059" marT="5059" marB="5059" anchor="ctr" anchorCtr="0" horzOverflow="overflow"/>
-                </a:tc>
-                <a:tc>
-                  <a:txBody>
-                    <a:bodyPr/>
-                    <a:lstStyle/>
-                    <a:p>
-                      <a:pPr lvl="0" algn="ctr">
-                        <a:defRPr b="0" i="0" sz="1800"/>
+                  <a:tcPr marL="5059" marR="5059" marT="5059" marB="5059" anchor="ctr" horzOverflow="overflow"/>
+                </a:tc>
+                <a:tc>
+                  <a:txBody>
+                    <a:bodyPr/>
+                    <a:lstStyle/>
+                    <a:p>
+                      <a:pPr lvl="0" algn="ctr">
+                        <a:defRPr sz="1800" b="0" i="0"/>
                       </a:pPr>
                       <a:r>
                         <a:rPr sz="2000">
@@ -5253,7 +5375,7 @@
                       </a:r>
                     </a:p>
                   </a:txBody>
-                  <a:tcPr marL="5059" marR="5059" marT="5059" marB="5059" anchor="ctr" anchorCtr="0" horzOverflow="overflow">
+                  <a:tcPr marL="5059" marR="5059" marT="5059" marB="5059" anchor="ctr" horzOverflow="overflow">
                     <a:lnR w="12700">
                       <a:solidFill>
                         <a:srgbClr val="000000"/>
@@ -5268,7 +5390,7 @@
                     <a:lstStyle/>
                     <a:p>
                       <a:pPr lvl="0" algn="ctr">
-                        <a:defRPr b="0" i="0" sz="1800"/>
+                        <a:defRPr sz="1800" b="0" i="0"/>
                       </a:pPr>
                       <a:r>
                         <a:rPr sz="2000">
@@ -5281,7 +5403,7 @@
                       </a:r>
                     </a:p>
                   </a:txBody>
-                  <a:tcPr marL="5059" marR="5059" marT="5059" marB="5059" anchor="ctr" anchorCtr="0" horzOverflow="overflow">
+                  <a:tcPr marL="5059" marR="5059" marT="5059" marB="5059" anchor="ctr" horzOverflow="overflow">
                     <a:lnL w="12700">
                       <a:solidFill>
                         <a:srgbClr val="000000"/>
@@ -5296,7 +5418,7 @@
                     <a:lstStyle/>
                     <a:p>
                       <a:pPr lvl="0" algn="ctr">
-                        <a:defRPr b="0" i="0" sz="1800"/>
+                        <a:defRPr sz="1800" b="0" i="0"/>
                       </a:pPr>
                       <a:r>
                         <a:rPr sz="2000">
@@ -5309,15 +5431,15 @@
                       </a:r>
                     </a:p>
                   </a:txBody>
-                  <a:tcPr marL="5059" marR="5059" marT="5059" marB="5059" anchor="ctr" anchorCtr="0" horzOverflow="overflow"/>
-                </a:tc>
-                <a:tc>
-                  <a:txBody>
-                    <a:bodyPr/>
-                    <a:lstStyle/>
-                    <a:p>
-                      <a:pPr lvl="0" algn="ctr">
-                        <a:defRPr b="0" i="0" sz="1800"/>
+                  <a:tcPr marL="5059" marR="5059" marT="5059" marB="5059" anchor="ctr" horzOverflow="overflow"/>
+                </a:tc>
+                <a:tc>
+                  <a:txBody>
+                    <a:bodyPr/>
+                    <a:lstStyle/>
+                    <a:p>
+                      <a:pPr lvl="0" algn="ctr">
+                        <a:defRPr sz="1800" b="0" i="0"/>
                       </a:pPr>
                       <a:r>
                         <a:rPr sz="2000">
@@ -5330,7 +5452,7 @@
                       </a:r>
                     </a:p>
                   </a:txBody>
-                  <a:tcPr marL="5059" marR="5059" marT="5059" marB="5059" anchor="ctr" anchorCtr="0" horzOverflow="overflow">
+                  <a:tcPr marL="5059" marR="5059" marT="5059" marB="5059" anchor="ctr" horzOverflow="overflow">
                     <a:lnR w="12700">
                       <a:solidFill>
                         <a:srgbClr val="000000"/>
@@ -5347,7 +5469,7 @@
                     <a:lstStyle/>
                     <a:p>
                       <a:pPr lvl="0" algn="ctr">
-                        <a:defRPr b="0" i="0" sz="1800"/>
+                        <a:defRPr sz="1800" b="0" i="0"/>
                       </a:pPr>
                       <a:r>
                         <a:rPr sz="2000">
@@ -5360,7 +5482,7 @@
                       </a:r>
                     </a:p>
                   </a:txBody>
-                  <a:tcPr marL="5059" marR="5059" marT="5059" marB="5059" anchor="ctr" anchorCtr="0" horzOverflow="overflow">
+                  <a:tcPr marL="5059" marR="5059" marT="5059" marB="5059" anchor="ctr" horzOverflow="overflow">
                     <a:lnL w="12700">
                       <a:solidFill>
                         <a:srgbClr val="000000"/>
@@ -5387,7 +5509,7 @@
                     <a:lstStyle/>
                     <a:p>
                       <a:pPr lvl="0" algn="ctr">
-                        <a:defRPr b="0" i="0" sz="1800"/>
+                        <a:defRPr sz="1800" b="0" i="0"/>
                       </a:pPr>
                       <a:r>
                         <a:rPr sz="2000">
@@ -5400,7 +5522,7 @@
                       </a:r>
                     </a:p>
                   </a:txBody>
-                  <a:tcPr marL="5059" marR="5059" marT="5059" marB="5059" anchor="ctr" anchorCtr="0" horzOverflow="overflow">
+                  <a:tcPr marL="5059" marR="5059" marT="5059" marB="5059" anchor="ctr" horzOverflow="overflow">
                     <a:lnL w="12700">
                       <a:solidFill>
                         <a:srgbClr val="000000"/>
@@ -5427,7 +5549,7 @@
                     <a:lstStyle/>
                     <a:p>
                       <a:pPr lvl="0" algn="ctr">
-                        <a:defRPr b="0" i="0" sz="1800"/>
+                        <a:defRPr sz="1800" b="0" i="0"/>
                       </a:pPr>
                       <a:r>
                         <a:rPr sz="2000">
@@ -5440,7 +5562,7 @@
                       </a:r>
                     </a:p>
                   </a:txBody>
-                  <a:tcPr marL="5059" marR="5059" marT="5059" marB="5059" anchor="ctr" anchorCtr="0" horzOverflow="overflow">
+                  <a:tcPr marL="5059" marR="5059" marT="5059" marB="5059" anchor="ctr" horzOverflow="overflow">
                     <a:lnL w="12700">
                       <a:solidFill>
                         <a:srgbClr val="000000"/>
@@ -5467,7 +5589,7 @@
                     <a:lstStyle/>
                     <a:p>
                       <a:pPr lvl="0" algn="ctr">
-                        <a:defRPr b="0" i="0" sz="1800"/>
+                        <a:defRPr sz="1800" b="0" i="0"/>
                       </a:pPr>
                       <a:r>
                         <a:rPr sz="2000">
@@ -5480,7 +5602,7 @@
                       </a:r>
                     </a:p>
                   </a:txBody>
-                  <a:tcPr marL="5059" marR="5059" marT="5059" marB="5059" anchor="ctr" anchorCtr="0" horzOverflow="overflow">
+                  <a:tcPr marL="5059" marR="5059" marT="5059" marB="5059" anchor="ctr" horzOverflow="overflow">
                     <a:lnL w="12700">
                       <a:solidFill>
                         <a:srgbClr val="000000"/>
@@ -5501,7 +5623,7 @@
                     <a:lstStyle/>
                     <a:p>
                       <a:pPr lvl="0" algn="ctr">
-                        <a:defRPr b="0" i="0" sz="1800"/>
+                        <a:defRPr sz="1800" b="0" i="0"/>
                       </a:pPr>
                       <a:r>
                         <a:rPr sz="2000">
@@ -5514,7 +5636,7 @@
                       </a:r>
                     </a:p>
                   </a:txBody>
-                  <a:tcPr marL="5059" marR="5059" marT="5059" marB="5059" anchor="ctr" anchorCtr="0" horzOverflow="overflow">
+                  <a:tcPr marL="5059" marR="5059" marT="5059" marB="5059" anchor="ctr" horzOverflow="overflow">
                     <a:lnB w="12700">
                       <a:solidFill>
                         <a:srgbClr val="000000"/>
@@ -5529,7 +5651,7 @@
                     <a:lstStyle/>
                     <a:p>
                       <a:pPr lvl="0" algn="ctr">
-                        <a:defRPr b="0" i="0" sz="1800"/>
+                        <a:defRPr sz="1800" b="0" i="0"/>
                       </a:pPr>
                       <a:r>
                         <a:rPr sz="2000">
@@ -5542,7 +5664,7 @@
                       </a:r>
                     </a:p>
                   </a:txBody>
-                  <a:tcPr marL="5059" marR="5059" marT="5059" marB="5059" anchor="ctr" anchorCtr="0" horzOverflow="overflow">
+                  <a:tcPr marL="5059" marR="5059" marT="5059" marB="5059" anchor="ctr" horzOverflow="overflow">
                     <a:lnB w="12700">
                       <a:solidFill>
                         <a:srgbClr val="000000"/>
@@ -5557,7 +5679,7 @@
                     <a:lstStyle/>
                     <a:p>
                       <a:pPr lvl="0" algn="ctr">
-                        <a:defRPr b="0" i="0" sz="1800"/>
+                        <a:defRPr sz="1800" b="0" i="0"/>
                       </a:pPr>
                       <a:r>
                         <a:rPr sz="2000">
@@ -5570,7 +5692,7 @@
                       </a:r>
                     </a:p>
                   </a:txBody>
-                  <a:tcPr marL="5059" marR="5059" marT="5059" marB="5059" anchor="ctr" anchorCtr="0" horzOverflow="overflow">
+                  <a:tcPr marL="5059" marR="5059" marT="5059" marB="5059" anchor="ctr" horzOverflow="overflow">
                     <a:lnR w="12700">
                       <a:solidFill>
                         <a:srgbClr val="000000"/>
@@ -5591,7 +5713,7 @@
                     <a:lstStyle/>
                     <a:p>
                       <a:pPr lvl="0" algn="ctr">
-                        <a:defRPr b="0" i="0" sz="1800"/>
+                        <a:defRPr sz="1800" b="0" i="0"/>
                       </a:pPr>
                       <a:r>
                         <a:rPr sz="2000">
@@ -5604,7 +5726,7 @@
                       </a:r>
                     </a:p>
                   </a:txBody>
-                  <a:tcPr marL="5059" marR="5059" marT="5059" marB="5059" anchor="ctr" anchorCtr="0" horzOverflow="overflow">
+                  <a:tcPr marL="5059" marR="5059" marT="5059" marB="5059" anchor="ctr" horzOverflow="overflow">
                     <a:lnL w="12700">
                       <a:solidFill>
                         <a:srgbClr val="000000"/>
@@ -5625,7 +5747,7 @@
                     <a:lstStyle/>
                     <a:p>
                       <a:pPr lvl="0" algn="ctr">
-                        <a:defRPr b="0" i="0" sz="1800"/>
+                        <a:defRPr sz="1800" b="0" i="0"/>
                       </a:pPr>
                       <a:r>
                         <a:rPr sz="2000">
@@ -5638,7 +5760,7 @@
                       </a:r>
                     </a:p>
                   </a:txBody>
-                  <a:tcPr marL="5059" marR="5059" marT="5059" marB="5059" anchor="ctr" anchorCtr="0" horzOverflow="overflow">
+                  <a:tcPr marL="5059" marR="5059" marT="5059" marB="5059" anchor="ctr" horzOverflow="overflow">
                     <a:lnB w="12700">
                       <a:solidFill>
                         <a:srgbClr val="000000"/>
@@ -5653,10 +5775,10 @@
                     <a:lstStyle/>
                     <a:p>
                       <a:pPr lvl="0" algn="ctr">
-                        <a:defRPr b="0" i="0" sz="1800"/>
-                      </a:pPr>
-                      <a:r>
-                        <a:rPr sz="2000">
+                        <a:defRPr sz="1800" b="0" i="0"/>
+                      </a:pPr>
+                      <a:r>
+                        <a:rPr sz="2000" dirty="0">
                           <a:latin typeface="Times New Roman"/>
                           <a:ea typeface="Times New Roman"/>
                           <a:cs typeface="Times New Roman"/>
@@ -5666,7 +5788,7 @@
                       </a:r>
                     </a:p>
                   </a:txBody>
-                  <a:tcPr marL="5059" marR="5059" marT="5059" marB="5059" anchor="ctr" anchorCtr="0" horzOverflow="overflow">
+                  <a:tcPr marL="5059" marR="5059" marT="5059" marB="5059" anchor="ctr" horzOverflow="overflow">
                     <a:lnR w="12700">
                       <a:solidFill>
                         <a:srgbClr val="000000"/>
@@ -5691,12 +5813,19 @@
   <p:clrMapOvr>
     <a:masterClrMapping/>
   </p:clrMapOvr>
-  <p:transition spd="med" advClick="1"/>
+  <p:transition spd="med"/>
+  <p:timing>
+    <p:tnLst>
+      <p:par>
+        <p:cTn id="1" dur="indefinite" restart="never" nodeType="tmRoot"/>
+      </p:par>
+    </p:tnLst>
+  </p:timing>
 </p:sld>
 </file>
 
 <file path=ppt/theme/theme1.xml><?xml version="1.0" encoding="utf-8"?>
-<a:theme xmlns:a="http://schemas.openxmlformats.org/drawingml/2006/main" xmlns:r="http://schemas.openxmlformats.org/officeDocument/2006/relationships" name="Default">
+<a:theme xmlns:a="http://schemas.openxmlformats.org/drawingml/2006/main" name="Default">
   <a:themeElements>
     <a:clrScheme name="Default">
       <a:dk1>
@@ -5822,7 +5951,7 @@
       <a:effectStyleLst>
         <a:effectStyle>
           <a:effectLst>
-            <a:outerShdw sx="100000" sy="100000" kx="0" ky="0" algn="b" rotWithShape="0" blurRad="38100" dist="12700" dir="5400000">
+            <a:outerShdw blurRad="38100" dist="12700" dir="5400000" rotWithShape="0">
               <a:srgbClr val="000000">
                 <a:alpha val="35000"/>
               </a:srgbClr>
@@ -5831,7 +5960,7 @@
         </a:effectStyle>
         <a:effectStyle>
           <a:effectLst>
-            <a:outerShdw sx="100000" sy="100000" kx="0" ky="0" algn="b" rotWithShape="0" blurRad="38100" dist="12700" dir="5400000">
+            <a:outerShdw blurRad="38100" dist="12700" dir="5400000" rotWithShape="0">
               <a:srgbClr val="000000">
                 <a:alpha val="35000"/>
               </a:srgbClr>
@@ -5840,7 +5969,7 @@
         </a:effectStyle>
         <a:effectStyle>
           <a:effectLst>
-            <a:outerShdw sx="100000" sy="100000" kx="0" ky="0" algn="b" rotWithShape="0" blurRad="38100" dist="12700" dir="5400000">
+            <a:outerShdw blurRad="38100" dist="12700" dir="5400000" rotWithShape="0">
               <a:srgbClr val="000000">
                 <a:alpha val="35000"/>
               </a:srgbClr>
@@ -5914,14 +6043,14 @@
           <a:bevel/>
         </a:ln>
         <a:effectLst>
-          <a:outerShdw sx="100000" sy="100000" kx="0" ky="0" algn="b" rotWithShape="0" blurRad="38100" dist="12700" dir="5400000">
+          <a:outerShdw blurRad="38100" dist="12700" dir="5400000" rotWithShape="0">
             <a:srgbClr val="000000">
               <a:alpha val="35000"/>
             </a:srgbClr>
           </a:outerShdw>
         </a:effectLst>
       </a:spPr>
-      <a:bodyPr rot="0" spcFirstLastPara="1" vertOverflow="overflow" horzOverflow="overflow" vert="horz" wrap="square" lIns="45844" tIns="45844" rIns="45844" bIns="45844" numCol="1" spcCol="38100" rtlCol="0" anchor="ctr" upright="0">
+      <a:bodyPr rot="0" spcFirstLastPara="1" vertOverflow="overflow" horzOverflow="overflow" vert="horz" wrap="square" lIns="45844" tIns="45844" rIns="45844" bIns="45844" numCol="1" spcCol="38100" rtlCol="0" anchor="ctr">
         <a:spAutoFit/>
       </a:bodyPr>
       <a:lstStyle>
@@ -5940,7 +6069,7 @@
           <a:buFontTx/>
           <a:buNone/>
           <a:tabLst/>
-          <a:defRPr b="0" baseline="0" cap="none" i="0" spc="0" strike="noStrike" sz="1800" u="none" kumimoji="0" normalizeH="0">
+          <a:defRPr kumimoji="0" sz="1800" b="0" i="0" u="none" strike="noStrike" cap="none" spc="0" normalizeH="0" baseline="0">
             <a:ln>
               <a:noFill/>
             </a:ln>
@@ -5970,7 +6099,7 @@
           <a:buFontTx/>
           <a:buNone/>
           <a:tabLst/>
-          <a:defRPr b="0" baseline="0" cap="none" i="0" spc="0" strike="noStrike" sz="1800" u="none" kumimoji="0" normalizeH="0">
+          <a:defRPr kumimoji="0" sz="1800" b="0" i="0" u="none" strike="noStrike" cap="none" spc="0" normalizeH="0" baseline="0">
             <a:ln>
               <a:noFill/>
             </a:ln>
@@ -5996,7 +6125,7 @@
           <a:buFontTx/>
           <a:buNone/>
           <a:tabLst/>
-          <a:defRPr b="0" baseline="0" cap="none" i="0" spc="0" strike="noStrike" sz="1800" u="none" kumimoji="0" normalizeH="0">
+          <a:defRPr kumimoji="0" sz="1800" b="0" i="0" u="none" strike="noStrike" cap="none" spc="0" normalizeH="0" baseline="0">
             <a:ln>
               <a:noFill/>
             </a:ln>
@@ -6022,7 +6151,7 @@
           <a:buFontTx/>
           <a:buNone/>
           <a:tabLst/>
-          <a:defRPr b="0" baseline="0" cap="none" i="0" spc="0" strike="noStrike" sz="1800" u="none" kumimoji="0" normalizeH="0">
+          <a:defRPr kumimoji="0" sz="1800" b="0" i="0" u="none" strike="noStrike" cap="none" spc="0" normalizeH="0" baseline="0">
             <a:ln>
               <a:noFill/>
             </a:ln>
@@ -6048,7 +6177,7 @@
           <a:buFontTx/>
           <a:buNone/>
           <a:tabLst/>
-          <a:defRPr b="0" baseline="0" cap="none" i="0" spc="0" strike="noStrike" sz="1800" u="none" kumimoji="0" normalizeH="0">
+          <a:defRPr kumimoji="0" sz="1800" b="0" i="0" u="none" strike="noStrike" cap="none" spc="0" normalizeH="0" baseline="0">
             <a:ln>
               <a:noFill/>
             </a:ln>
@@ -6074,7 +6203,7 @@
           <a:buFontTx/>
           <a:buNone/>
           <a:tabLst/>
-          <a:defRPr b="0" baseline="0" cap="none" i="0" spc="0" strike="noStrike" sz="1800" u="none" kumimoji="0" normalizeH="0">
+          <a:defRPr kumimoji="0" sz="1800" b="0" i="0" u="none" strike="noStrike" cap="none" spc="0" normalizeH="0" baseline="0">
             <a:ln>
               <a:noFill/>
             </a:ln>
@@ -6100,7 +6229,7 @@
           <a:buFontTx/>
           <a:buNone/>
           <a:tabLst/>
-          <a:defRPr b="0" baseline="0" cap="none" i="0" spc="0" strike="noStrike" sz="1800" u="none" kumimoji="0" normalizeH="0">
+          <a:defRPr kumimoji="0" sz="1800" b="0" i="0" u="none" strike="noStrike" cap="none" spc="0" normalizeH="0" baseline="0">
             <a:ln>
               <a:noFill/>
             </a:ln>
@@ -6126,7 +6255,7 @@
           <a:buFontTx/>
           <a:buNone/>
           <a:tabLst/>
-          <a:defRPr b="0" baseline="0" cap="none" i="0" spc="0" strike="noStrike" sz="1800" u="none" kumimoji="0" normalizeH="0">
+          <a:defRPr kumimoji="0" sz="1800" b="0" i="0" u="none" strike="noStrike" cap="none" spc="0" normalizeH="0" baseline="0">
             <a:ln>
               <a:noFill/>
             </a:ln>
@@ -6152,7 +6281,7 @@
           <a:buFontTx/>
           <a:buNone/>
           <a:tabLst/>
-          <a:defRPr b="0" baseline="0" cap="none" i="0" spc="0" strike="noStrike" sz="1800" u="none" kumimoji="0" normalizeH="0">
+          <a:defRPr kumimoji="0" sz="1800" b="0" i="0" u="none" strike="noStrike" cap="none" spc="0" normalizeH="0" baseline="0">
             <a:ln>
               <a:noFill/>
             </a:ln>
@@ -6178,7 +6307,7 @@
           <a:buFontTx/>
           <a:buNone/>
           <a:tabLst/>
-          <a:defRPr b="0" baseline="0" cap="none" i="0" spc="0" strike="noStrike" sz="1800" u="none" kumimoji="0" normalizeH="0">
+          <a:defRPr kumimoji="0" sz="1800" b="0" i="0" u="none" strike="noStrike" cap="none" spc="0" normalizeH="0" baseline="0">
             <a:ln>
               <a:noFill/>
             </a:ln>
@@ -6191,9 +6320,15 @@
         </a:lvl9pPr>
       </a:lstStyle>
       <a:style>
-        <a:lnRef idx="0"/>
-        <a:fillRef idx="0"/>
-        <a:effectRef idx="0"/>
+        <a:lnRef idx="0">
+          <a:scrgbClr r="0" g="0" b="0"/>
+        </a:lnRef>
+        <a:fillRef idx="0">
+          <a:scrgbClr r="0" g="0" b="0"/>
+        </a:fillRef>
+        <a:effectRef idx="0">
+          <a:scrgbClr r="0" g="0" b="0"/>
+        </a:effectRef>
         <a:fontRef idx="none"/>
       </a:style>
     </a:spDef>
@@ -6208,14 +6343,14 @@
           <a:bevel/>
         </a:ln>
         <a:effectLst>
-          <a:outerShdw sx="100000" sy="100000" kx="0" ky="0" algn="b" rotWithShape="0" blurRad="38100" dist="12700" dir="5400000">
+          <a:outerShdw blurRad="38100" dist="12700" dir="5400000" rotWithShape="0">
             <a:srgbClr val="000000">
               <a:alpha val="35000"/>
             </a:srgbClr>
           </a:outerShdw>
         </a:effectLst>
       </a:spPr>
-      <a:bodyPr rot="0" spcFirstLastPara="1" vertOverflow="overflow" horzOverflow="overflow" vert="horz" wrap="square" lIns="91439" tIns="45719" rIns="91439" bIns="45719" numCol="1" spcCol="38100" rtlCol="0" anchor="t" upright="0">
+      <a:bodyPr rot="0" spcFirstLastPara="1" vertOverflow="overflow" horzOverflow="overflow" vert="horz" wrap="square" lIns="91439" tIns="45719" rIns="91439" bIns="45719" numCol="1" spcCol="38100" rtlCol="0" anchor="t">
         <a:noAutofit/>
       </a:bodyPr>
       <a:lstStyle>
@@ -6234,7 +6369,7 @@
           <a:buFontTx/>
           <a:buNone/>
           <a:tabLst/>
-          <a:defRPr b="0" baseline="0" cap="none" i="0" spc="0" strike="noStrike" sz="1800" u="none" kumimoji="0" normalizeH="0">
+          <a:defRPr kumimoji="0" sz="1800" b="0" i="0" u="none" strike="noStrike" cap="none" spc="0" normalizeH="0" baseline="0">
             <a:ln>
               <a:noFill/>
             </a:ln>
@@ -6260,7 +6395,7 @@
           <a:buFontTx/>
           <a:buNone/>
           <a:tabLst/>
-          <a:defRPr b="0" baseline="0" cap="none" i="0" spc="0" strike="noStrike" sz="1800" u="none" kumimoji="0" normalizeH="0">
+          <a:defRPr kumimoji="0" sz="1800" b="0" i="0" u="none" strike="noStrike" cap="none" spc="0" normalizeH="0" baseline="0">
             <a:ln>
               <a:noFill/>
             </a:ln>
@@ -6286,7 +6421,7 @@
           <a:buFontTx/>
           <a:buNone/>
           <a:tabLst/>
-          <a:defRPr b="0" baseline="0" cap="none" i="0" spc="0" strike="noStrike" sz="1800" u="none" kumimoji="0" normalizeH="0">
+          <a:defRPr kumimoji="0" sz="1800" b="0" i="0" u="none" strike="noStrike" cap="none" spc="0" normalizeH="0" baseline="0">
             <a:ln>
               <a:noFill/>
             </a:ln>
@@ -6312,7 +6447,7 @@
           <a:buFontTx/>
           <a:buNone/>
           <a:tabLst/>
-          <a:defRPr b="0" baseline="0" cap="none" i="0" spc="0" strike="noStrike" sz="1800" u="none" kumimoji="0" normalizeH="0">
+          <a:defRPr kumimoji="0" sz="1800" b="0" i="0" u="none" strike="noStrike" cap="none" spc="0" normalizeH="0" baseline="0">
             <a:ln>
               <a:noFill/>
             </a:ln>
@@ -6338,7 +6473,7 @@
           <a:buFontTx/>
           <a:buNone/>
           <a:tabLst/>
-          <a:defRPr b="0" baseline="0" cap="none" i="0" spc="0" strike="noStrike" sz="1800" u="none" kumimoji="0" normalizeH="0">
+          <a:defRPr kumimoji="0" sz="1800" b="0" i="0" u="none" strike="noStrike" cap="none" spc="0" normalizeH="0" baseline="0">
             <a:ln>
               <a:noFill/>
             </a:ln>
@@ -6364,7 +6499,7 @@
           <a:buFontTx/>
           <a:buNone/>
           <a:tabLst/>
-          <a:defRPr b="0" baseline="0" cap="none" i="0" spc="0" strike="noStrike" sz="1800" u="none" kumimoji="0" normalizeH="0">
+          <a:defRPr kumimoji="0" sz="1800" b="0" i="0" u="none" strike="noStrike" cap="none" spc="0" normalizeH="0" baseline="0">
             <a:ln>
               <a:noFill/>
             </a:ln>
@@ -6390,7 +6525,7 @@
           <a:buFontTx/>
           <a:buNone/>
           <a:tabLst/>
-          <a:defRPr b="0" baseline="0" cap="none" i="0" spc="0" strike="noStrike" sz="1800" u="none" kumimoji="0" normalizeH="0">
+          <a:defRPr kumimoji="0" sz="1800" b="0" i="0" u="none" strike="noStrike" cap="none" spc="0" normalizeH="0" baseline="0">
             <a:ln>
               <a:noFill/>
             </a:ln>
@@ -6416,7 +6551,7 @@
           <a:buFontTx/>
           <a:buNone/>
           <a:tabLst/>
-          <a:defRPr b="0" baseline="0" cap="none" i="0" spc="0" strike="noStrike" sz="1800" u="none" kumimoji="0" normalizeH="0">
+          <a:defRPr kumimoji="0" sz="1800" b="0" i="0" u="none" strike="noStrike" cap="none" spc="0" normalizeH="0" baseline="0">
             <a:ln>
               <a:noFill/>
             </a:ln>
@@ -6442,7 +6577,7 @@
           <a:buFontTx/>
           <a:buNone/>
           <a:tabLst/>
-          <a:defRPr b="0" baseline="0" cap="none" i="0" spc="0" strike="noStrike" sz="1800" u="none" kumimoji="0" normalizeH="0">
+          <a:defRPr kumimoji="0" sz="1800" b="0" i="0" u="none" strike="noStrike" cap="none" spc="0" normalizeH="0" baseline="0">
             <a:ln>
               <a:noFill/>
             </a:ln>
@@ -6468,7 +6603,7 @@
           <a:buFontTx/>
           <a:buNone/>
           <a:tabLst/>
-          <a:defRPr b="0" baseline="0" cap="none" i="0" spc="0" strike="noStrike" sz="1800" u="none" kumimoji="0" normalizeH="0">
+          <a:defRPr kumimoji="0" sz="1800" b="0" i="0" u="none" strike="noStrike" cap="none" spc="0" normalizeH="0" baseline="0">
             <a:ln>
               <a:noFill/>
             </a:ln>
@@ -6481,9 +6616,15 @@
         </a:lvl9pPr>
       </a:lstStyle>
       <a:style>
-        <a:lnRef idx="0"/>
-        <a:fillRef idx="0"/>
-        <a:effectRef idx="0"/>
+        <a:lnRef idx="0">
+          <a:scrgbClr r="0" g="0" b="0"/>
+        </a:lnRef>
+        <a:fillRef idx="0">
+          <a:scrgbClr r="0" g="0" b="0"/>
+        </a:fillRef>
+        <a:effectRef idx="0">
+          <a:scrgbClr r="0" g="0" b="0"/>
+        </a:effectRef>
         <a:fontRef idx="none"/>
       </a:style>
     </a:lnDef>
@@ -6496,7 +6637,7 @@
         </a:ln>
         <a:effectLst/>
       </a:spPr>
-      <a:bodyPr rot="0" spcFirstLastPara="1" vertOverflow="overflow" horzOverflow="overflow" vert="horz" wrap="square" lIns="45718" tIns="45718" rIns="45718" bIns="45718" numCol="1" spcCol="38100" rtlCol="0" anchor="t" upright="0">
+      <a:bodyPr rot="0" spcFirstLastPara="1" vertOverflow="overflow" horzOverflow="overflow" vert="horz" wrap="square" lIns="45718" tIns="45718" rIns="45718" bIns="45718" numCol="1" spcCol="38100" rtlCol="0" anchor="t">
         <a:spAutoFit/>
       </a:bodyPr>
       <a:lstStyle>
@@ -6515,7 +6656,7 @@
           <a:buFontTx/>
           <a:buNone/>
           <a:tabLst/>
-          <a:defRPr b="0" baseline="0" cap="none" i="0" spc="0" strike="noStrike" sz="1800" u="none" kumimoji="0" normalizeH="0">
+          <a:defRPr kumimoji="0" sz="1800" b="0" i="0" u="none" strike="noStrike" cap="none" spc="0" normalizeH="0" baseline="0">
             <a:ln>
               <a:noFill/>
             </a:ln>
@@ -6545,7 +6686,7 @@
           <a:buFontTx/>
           <a:buNone/>
           <a:tabLst/>
-          <a:defRPr b="0" baseline="0" cap="none" i="0" spc="0" strike="noStrike" sz="1800" u="none" kumimoji="0" normalizeH="0">
+          <a:defRPr kumimoji="0" sz="1800" b="0" i="0" u="none" strike="noStrike" cap="none" spc="0" normalizeH="0" baseline="0">
             <a:ln>
               <a:noFill/>
             </a:ln>
@@ -6571,7 +6712,7 @@
           <a:buFontTx/>
           <a:buNone/>
           <a:tabLst/>
-          <a:defRPr b="0" baseline="0" cap="none" i="0" spc="0" strike="noStrike" sz="1800" u="none" kumimoji="0" normalizeH="0">
+          <a:defRPr kumimoji="0" sz="1800" b="0" i="0" u="none" strike="noStrike" cap="none" spc="0" normalizeH="0" baseline="0">
             <a:ln>
               <a:noFill/>
             </a:ln>
@@ -6597,7 +6738,7 @@
           <a:buFontTx/>
           <a:buNone/>
           <a:tabLst/>
-          <a:defRPr b="0" baseline="0" cap="none" i="0" spc="0" strike="noStrike" sz="1800" u="none" kumimoji="0" normalizeH="0">
+          <a:defRPr kumimoji="0" sz="1800" b="0" i="0" u="none" strike="noStrike" cap="none" spc="0" normalizeH="0" baseline="0">
             <a:ln>
               <a:noFill/>
             </a:ln>
@@ -6623,7 +6764,7 @@
           <a:buFontTx/>
           <a:buNone/>
           <a:tabLst/>
-          <a:defRPr b="0" baseline="0" cap="none" i="0" spc="0" strike="noStrike" sz="1800" u="none" kumimoji="0" normalizeH="0">
+          <a:defRPr kumimoji="0" sz="1800" b="0" i="0" u="none" strike="noStrike" cap="none" spc="0" normalizeH="0" baseline="0">
             <a:ln>
               <a:noFill/>
             </a:ln>
@@ -6649,7 +6790,7 @@
           <a:buFontTx/>
           <a:buNone/>
           <a:tabLst/>
-          <a:defRPr b="0" baseline="0" cap="none" i="0" spc="0" strike="noStrike" sz="1800" u="none" kumimoji="0" normalizeH="0">
+          <a:defRPr kumimoji="0" sz="1800" b="0" i="0" u="none" strike="noStrike" cap="none" spc="0" normalizeH="0" baseline="0">
             <a:ln>
               <a:noFill/>
             </a:ln>
@@ -6675,7 +6816,7 @@
           <a:buFontTx/>
           <a:buNone/>
           <a:tabLst/>
-          <a:defRPr b="0" baseline="0" cap="none" i="0" spc="0" strike="noStrike" sz="1800" u="none" kumimoji="0" normalizeH="0">
+          <a:defRPr kumimoji="0" sz="1800" b="0" i="0" u="none" strike="noStrike" cap="none" spc="0" normalizeH="0" baseline="0">
             <a:ln>
               <a:noFill/>
             </a:ln>
@@ -6701,7 +6842,7 @@
           <a:buFontTx/>
           <a:buNone/>
           <a:tabLst/>
-          <a:defRPr b="0" baseline="0" cap="none" i="0" spc="0" strike="noStrike" sz="1800" u="none" kumimoji="0" normalizeH="0">
+          <a:defRPr kumimoji="0" sz="1800" b="0" i="0" u="none" strike="noStrike" cap="none" spc="0" normalizeH="0" baseline="0">
             <a:ln>
               <a:noFill/>
             </a:ln>
@@ -6727,7 +6868,7 @@
           <a:buFontTx/>
           <a:buNone/>
           <a:tabLst/>
-          <a:defRPr b="0" baseline="0" cap="none" i="0" spc="0" strike="noStrike" sz="1800" u="none" kumimoji="0" normalizeH="0">
+          <a:defRPr kumimoji="0" sz="1800" b="0" i="0" u="none" strike="noStrike" cap="none" spc="0" normalizeH="0" baseline="0">
             <a:ln>
               <a:noFill/>
             </a:ln>
@@ -6753,7 +6894,7 @@
           <a:buFontTx/>
           <a:buNone/>
           <a:tabLst/>
-          <a:defRPr b="0" baseline="0" cap="none" i="0" spc="0" strike="noStrike" sz="1800" u="none" kumimoji="0" normalizeH="0">
+          <a:defRPr kumimoji="0" sz="1800" b="0" i="0" u="none" strike="noStrike" cap="none" spc="0" normalizeH="0" baseline="0">
             <a:ln>
               <a:noFill/>
             </a:ln>
@@ -6766,18 +6907,25 @@
         </a:lvl9pPr>
       </a:lstStyle>
       <a:style>
-        <a:lnRef idx="0"/>
-        <a:fillRef idx="0"/>
-        <a:effectRef idx="0"/>
+        <a:lnRef idx="0">
+          <a:scrgbClr r="0" g="0" b="0"/>
+        </a:lnRef>
+        <a:fillRef idx="0">
+          <a:scrgbClr r="0" g="0" b="0"/>
+        </a:fillRef>
+        <a:effectRef idx="0">
+          <a:scrgbClr r="0" g="0" b="0"/>
+        </a:effectRef>
         <a:fontRef idx="none"/>
       </a:style>
     </a:txDef>
   </a:objectDefaults>
+  <a:extraClrSchemeLst/>
 </a:theme>
 </file>
 
 <file path=ppt/theme/theme2.xml><?xml version="1.0" encoding="utf-8"?>
-<a:theme xmlns:a="http://schemas.openxmlformats.org/drawingml/2006/main" xmlns:r="http://schemas.openxmlformats.org/officeDocument/2006/relationships" name="Default">
+<a:theme xmlns:a="http://schemas.openxmlformats.org/drawingml/2006/main" name="Default">
   <a:themeElements>
     <a:clrScheme name="Default">
       <a:dk1>
@@ -6903,7 +7051,7 @@
       <a:effectStyleLst>
         <a:effectStyle>
           <a:effectLst>
-            <a:outerShdw sx="100000" sy="100000" kx="0" ky="0" algn="b" rotWithShape="0" blurRad="38100" dist="12700" dir="5400000">
+            <a:outerShdw blurRad="38100" dist="12700" dir="5400000" rotWithShape="0">
               <a:srgbClr val="000000">
                 <a:alpha val="35000"/>
               </a:srgbClr>
@@ -6912,7 +7060,7 @@
         </a:effectStyle>
         <a:effectStyle>
           <a:effectLst>
-            <a:outerShdw sx="100000" sy="100000" kx="0" ky="0" algn="b" rotWithShape="0" blurRad="38100" dist="12700" dir="5400000">
+            <a:outerShdw blurRad="38100" dist="12700" dir="5400000" rotWithShape="0">
               <a:srgbClr val="000000">
                 <a:alpha val="35000"/>
               </a:srgbClr>
@@ -6921,7 +7069,7 @@
         </a:effectStyle>
         <a:effectStyle>
           <a:effectLst>
-            <a:outerShdw sx="100000" sy="100000" kx="0" ky="0" algn="b" rotWithShape="0" blurRad="38100" dist="12700" dir="5400000">
+            <a:outerShdw blurRad="38100" dist="12700" dir="5400000" rotWithShape="0">
               <a:srgbClr val="000000">
                 <a:alpha val="35000"/>
               </a:srgbClr>
@@ -6995,14 +7143,14 @@
           <a:bevel/>
         </a:ln>
         <a:effectLst>
-          <a:outerShdw sx="100000" sy="100000" kx="0" ky="0" algn="b" rotWithShape="0" blurRad="38100" dist="12700" dir="5400000">
+          <a:outerShdw blurRad="38100" dist="12700" dir="5400000" rotWithShape="0">
             <a:srgbClr val="000000">
               <a:alpha val="35000"/>
             </a:srgbClr>
           </a:outerShdw>
         </a:effectLst>
       </a:spPr>
-      <a:bodyPr rot="0" spcFirstLastPara="1" vertOverflow="overflow" horzOverflow="overflow" vert="horz" wrap="square" lIns="45844" tIns="45844" rIns="45844" bIns="45844" numCol="1" spcCol="38100" rtlCol="0" anchor="ctr" upright="0">
+      <a:bodyPr rot="0" spcFirstLastPara="1" vertOverflow="overflow" horzOverflow="overflow" vert="horz" wrap="square" lIns="45844" tIns="45844" rIns="45844" bIns="45844" numCol="1" spcCol="38100" rtlCol="0" anchor="ctr">
         <a:spAutoFit/>
       </a:bodyPr>
       <a:lstStyle>
@@ -7021,7 +7169,7 @@
           <a:buFontTx/>
           <a:buNone/>
           <a:tabLst/>
-          <a:defRPr b="0" baseline="0" cap="none" i="0" spc="0" strike="noStrike" sz="1800" u="none" kumimoji="0" normalizeH="0">
+          <a:defRPr kumimoji="0" sz="1800" b="0" i="0" u="none" strike="noStrike" cap="none" spc="0" normalizeH="0" baseline="0">
             <a:ln>
               <a:noFill/>
             </a:ln>
@@ -7051,7 +7199,7 @@
           <a:buFontTx/>
           <a:buNone/>
           <a:tabLst/>
-          <a:defRPr b="0" baseline="0" cap="none" i="0" spc="0" strike="noStrike" sz="1800" u="none" kumimoji="0" normalizeH="0">
+          <a:defRPr kumimoji="0" sz="1800" b="0" i="0" u="none" strike="noStrike" cap="none" spc="0" normalizeH="0" baseline="0">
             <a:ln>
               <a:noFill/>
             </a:ln>
@@ -7077,7 +7225,7 @@
           <a:buFontTx/>
           <a:buNone/>
           <a:tabLst/>
-          <a:defRPr b="0" baseline="0" cap="none" i="0" spc="0" strike="noStrike" sz="1800" u="none" kumimoji="0" normalizeH="0">
+          <a:defRPr kumimoji="0" sz="1800" b="0" i="0" u="none" strike="noStrike" cap="none" spc="0" normalizeH="0" baseline="0">
             <a:ln>
               <a:noFill/>
             </a:ln>
@@ -7103,7 +7251,7 @@
           <a:buFontTx/>
           <a:buNone/>
           <a:tabLst/>
-          <a:defRPr b="0" baseline="0" cap="none" i="0" spc="0" strike="noStrike" sz="1800" u="none" kumimoji="0" normalizeH="0">
+          <a:defRPr kumimoji="0" sz="1800" b="0" i="0" u="none" strike="noStrike" cap="none" spc="0" normalizeH="0" baseline="0">
             <a:ln>
               <a:noFill/>
             </a:ln>
@@ -7129,7 +7277,7 @@
           <a:buFontTx/>
           <a:buNone/>
           <a:tabLst/>
-          <a:defRPr b="0" baseline="0" cap="none" i="0" spc="0" strike="noStrike" sz="1800" u="none" kumimoji="0" normalizeH="0">
+          <a:defRPr kumimoji="0" sz="1800" b="0" i="0" u="none" strike="noStrike" cap="none" spc="0" normalizeH="0" baseline="0">
             <a:ln>
               <a:noFill/>
             </a:ln>
@@ -7155,7 +7303,7 @@
           <a:buFontTx/>
           <a:buNone/>
           <a:tabLst/>
-          <a:defRPr b="0" baseline="0" cap="none" i="0" spc="0" strike="noStrike" sz="1800" u="none" kumimoji="0" normalizeH="0">
+          <a:defRPr kumimoji="0" sz="1800" b="0" i="0" u="none" strike="noStrike" cap="none" spc="0" normalizeH="0" baseline="0">
             <a:ln>
               <a:noFill/>
             </a:ln>
@@ -7181,7 +7329,7 @@
           <a:buFontTx/>
           <a:buNone/>
           <a:tabLst/>
-          <a:defRPr b="0" baseline="0" cap="none" i="0" spc="0" strike="noStrike" sz="1800" u="none" kumimoji="0" normalizeH="0">
+          <a:defRPr kumimoji="0" sz="1800" b="0" i="0" u="none" strike="noStrike" cap="none" spc="0" normalizeH="0" baseline="0">
             <a:ln>
               <a:noFill/>
             </a:ln>
@@ -7207,7 +7355,7 @@
           <a:buFontTx/>
           <a:buNone/>
           <a:tabLst/>
-          <a:defRPr b="0" baseline="0" cap="none" i="0" spc="0" strike="noStrike" sz="1800" u="none" kumimoji="0" normalizeH="0">
+          <a:defRPr kumimoji="0" sz="1800" b="0" i="0" u="none" strike="noStrike" cap="none" spc="0" normalizeH="0" baseline="0">
             <a:ln>
               <a:noFill/>
             </a:ln>
@@ -7233,7 +7381,7 @@
           <a:buFontTx/>
           <a:buNone/>
           <a:tabLst/>
-          <a:defRPr b="0" baseline="0" cap="none" i="0" spc="0" strike="noStrike" sz="1800" u="none" kumimoji="0" normalizeH="0">
+          <a:defRPr kumimoji="0" sz="1800" b="0" i="0" u="none" strike="noStrike" cap="none" spc="0" normalizeH="0" baseline="0">
             <a:ln>
               <a:noFill/>
             </a:ln>
@@ -7259,7 +7407,7 @@
           <a:buFontTx/>
           <a:buNone/>
           <a:tabLst/>
-          <a:defRPr b="0" baseline="0" cap="none" i="0" spc="0" strike="noStrike" sz="1800" u="none" kumimoji="0" normalizeH="0">
+          <a:defRPr kumimoji="0" sz="1800" b="0" i="0" u="none" strike="noStrike" cap="none" spc="0" normalizeH="0" baseline="0">
             <a:ln>
               <a:noFill/>
             </a:ln>
@@ -7272,9 +7420,15 @@
         </a:lvl9pPr>
       </a:lstStyle>
       <a:style>
-        <a:lnRef idx="0"/>
-        <a:fillRef idx="0"/>
-        <a:effectRef idx="0"/>
+        <a:lnRef idx="0">
+          <a:scrgbClr r="0" g="0" b="0"/>
+        </a:lnRef>
+        <a:fillRef idx="0">
+          <a:scrgbClr r="0" g="0" b="0"/>
+        </a:fillRef>
+        <a:effectRef idx="0">
+          <a:scrgbClr r="0" g="0" b="0"/>
+        </a:effectRef>
         <a:fontRef idx="none"/>
       </a:style>
     </a:spDef>
@@ -7289,14 +7443,14 @@
           <a:bevel/>
         </a:ln>
         <a:effectLst>
-          <a:outerShdw sx="100000" sy="100000" kx="0" ky="0" algn="b" rotWithShape="0" blurRad="38100" dist="12700" dir="5400000">
+          <a:outerShdw blurRad="38100" dist="12700" dir="5400000" rotWithShape="0">
             <a:srgbClr val="000000">
               <a:alpha val="35000"/>
             </a:srgbClr>
           </a:outerShdw>
         </a:effectLst>
       </a:spPr>
-      <a:bodyPr rot="0" spcFirstLastPara="1" vertOverflow="overflow" horzOverflow="overflow" vert="horz" wrap="square" lIns="91439" tIns="45719" rIns="91439" bIns="45719" numCol="1" spcCol="38100" rtlCol="0" anchor="t" upright="0">
+      <a:bodyPr rot="0" spcFirstLastPara="1" vertOverflow="overflow" horzOverflow="overflow" vert="horz" wrap="square" lIns="91439" tIns="45719" rIns="91439" bIns="45719" numCol="1" spcCol="38100" rtlCol="0" anchor="t">
         <a:noAutofit/>
       </a:bodyPr>
       <a:lstStyle>
@@ -7315,7 +7469,7 @@
           <a:buFontTx/>
           <a:buNone/>
           <a:tabLst/>
-          <a:defRPr b="0" baseline="0" cap="none" i="0" spc="0" strike="noStrike" sz="1800" u="none" kumimoji="0" normalizeH="0">
+          <a:defRPr kumimoji="0" sz="1800" b="0" i="0" u="none" strike="noStrike" cap="none" spc="0" normalizeH="0" baseline="0">
             <a:ln>
               <a:noFill/>
             </a:ln>
@@ -7341,7 +7495,7 @@
           <a:buFontTx/>
           <a:buNone/>
           <a:tabLst/>
-          <a:defRPr b="0" baseline="0" cap="none" i="0" spc="0" strike="noStrike" sz="1800" u="none" kumimoji="0" normalizeH="0">
+          <a:defRPr kumimoji="0" sz="1800" b="0" i="0" u="none" strike="noStrike" cap="none" spc="0" normalizeH="0" baseline="0">
             <a:ln>
               <a:noFill/>
             </a:ln>
@@ -7367,7 +7521,7 @@
           <a:buFontTx/>
           <a:buNone/>
           <a:tabLst/>
-          <a:defRPr b="0" baseline="0" cap="none" i="0" spc="0" strike="noStrike" sz="1800" u="none" kumimoji="0" normalizeH="0">
+          <a:defRPr kumimoji="0" sz="1800" b="0" i="0" u="none" strike="noStrike" cap="none" spc="0" normalizeH="0" baseline="0">
             <a:ln>
               <a:noFill/>
             </a:ln>
@@ -7393,7 +7547,7 @@
           <a:buFontTx/>
           <a:buNone/>
           <a:tabLst/>
-          <a:defRPr b="0" baseline="0" cap="none" i="0" spc="0" strike="noStrike" sz="1800" u="none" kumimoji="0" normalizeH="0">
+          <a:defRPr kumimoji="0" sz="1800" b="0" i="0" u="none" strike="noStrike" cap="none" spc="0" normalizeH="0" baseline="0">
             <a:ln>
               <a:noFill/>
             </a:ln>
@@ -7419,7 +7573,7 @@
           <a:buFontTx/>
           <a:buNone/>
           <a:tabLst/>
-          <a:defRPr b="0" baseline="0" cap="none" i="0" spc="0" strike="noStrike" sz="1800" u="none" kumimoji="0" normalizeH="0">
+          <a:defRPr kumimoji="0" sz="1800" b="0" i="0" u="none" strike="noStrike" cap="none" spc="0" normalizeH="0" baseline="0">
             <a:ln>
               <a:noFill/>
             </a:ln>
@@ -7445,7 +7599,7 @@
           <a:buFontTx/>
           <a:buNone/>
           <a:tabLst/>
-          <a:defRPr b="0" baseline="0" cap="none" i="0" spc="0" strike="noStrike" sz="1800" u="none" kumimoji="0" normalizeH="0">
+          <a:defRPr kumimoji="0" sz="1800" b="0" i="0" u="none" strike="noStrike" cap="none" spc="0" normalizeH="0" baseline="0">
             <a:ln>
               <a:noFill/>
             </a:ln>
@@ -7471,7 +7625,7 @@
           <a:buFontTx/>
           <a:buNone/>
           <a:tabLst/>
-          <a:defRPr b="0" baseline="0" cap="none" i="0" spc="0" strike="noStrike" sz="1800" u="none" kumimoji="0" normalizeH="0">
+          <a:defRPr kumimoji="0" sz="1800" b="0" i="0" u="none" strike="noStrike" cap="none" spc="0" normalizeH="0" baseline="0">
             <a:ln>
               <a:noFill/>
             </a:ln>
@@ -7497,7 +7651,7 @@
           <a:buFontTx/>
           <a:buNone/>
           <a:tabLst/>
-          <a:defRPr b="0" baseline="0" cap="none" i="0" spc="0" strike="noStrike" sz="1800" u="none" kumimoji="0" normalizeH="0">
+          <a:defRPr kumimoji="0" sz="1800" b="0" i="0" u="none" strike="noStrike" cap="none" spc="0" normalizeH="0" baseline="0">
             <a:ln>
               <a:noFill/>
             </a:ln>
@@ -7523,7 +7677,7 @@
           <a:buFontTx/>
           <a:buNone/>
           <a:tabLst/>
-          <a:defRPr b="0" baseline="0" cap="none" i="0" spc="0" strike="noStrike" sz="1800" u="none" kumimoji="0" normalizeH="0">
+          <a:defRPr kumimoji="0" sz="1800" b="0" i="0" u="none" strike="noStrike" cap="none" spc="0" normalizeH="0" baseline="0">
             <a:ln>
               <a:noFill/>
             </a:ln>
@@ -7549,7 +7703,7 @@
           <a:buFontTx/>
           <a:buNone/>
           <a:tabLst/>
-          <a:defRPr b="0" baseline="0" cap="none" i="0" spc="0" strike="noStrike" sz="1800" u="none" kumimoji="0" normalizeH="0">
+          <a:defRPr kumimoji="0" sz="1800" b="0" i="0" u="none" strike="noStrike" cap="none" spc="0" normalizeH="0" baseline="0">
             <a:ln>
               <a:noFill/>
             </a:ln>
@@ -7562,9 +7716,15 @@
         </a:lvl9pPr>
       </a:lstStyle>
       <a:style>
-        <a:lnRef idx="0"/>
-        <a:fillRef idx="0"/>
-        <a:effectRef idx="0"/>
+        <a:lnRef idx="0">
+          <a:scrgbClr r="0" g="0" b="0"/>
+        </a:lnRef>
+        <a:fillRef idx="0">
+          <a:scrgbClr r="0" g="0" b="0"/>
+        </a:fillRef>
+        <a:effectRef idx="0">
+          <a:scrgbClr r="0" g="0" b="0"/>
+        </a:effectRef>
         <a:fontRef idx="none"/>
       </a:style>
     </a:lnDef>
@@ -7577,7 +7737,7 @@
         </a:ln>
         <a:effectLst/>
       </a:spPr>
-      <a:bodyPr rot="0" spcFirstLastPara="1" vertOverflow="overflow" horzOverflow="overflow" vert="horz" wrap="square" lIns="45718" tIns="45718" rIns="45718" bIns="45718" numCol="1" spcCol="38100" rtlCol="0" anchor="t" upright="0">
+      <a:bodyPr rot="0" spcFirstLastPara="1" vertOverflow="overflow" horzOverflow="overflow" vert="horz" wrap="square" lIns="45718" tIns="45718" rIns="45718" bIns="45718" numCol="1" spcCol="38100" rtlCol="0" anchor="t">
         <a:spAutoFit/>
       </a:bodyPr>
       <a:lstStyle>
@@ -7596,7 +7756,7 @@
           <a:buFontTx/>
           <a:buNone/>
           <a:tabLst/>
-          <a:defRPr b="0" baseline="0" cap="none" i="0" spc="0" strike="noStrike" sz="1800" u="none" kumimoji="0" normalizeH="0">
+          <a:defRPr kumimoji="0" sz="1800" b="0" i="0" u="none" strike="noStrike" cap="none" spc="0" normalizeH="0" baseline="0">
             <a:ln>
               <a:noFill/>
             </a:ln>
@@ -7626,7 +7786,7 @@
           <a:buFontTx/>
           <a:buNone/>
           <a:tabLst/>
-          <a:defRPr b="0" baseline="0" cap="none" i="0" spc="0" strike="noStrike" sz="1800" u="none" kumimoji="0" normalizeH="0">
+          <a:defRPr kumimoji="0" sz="1800" b="0" i="0" u="none" strike="noStrike" cap="none" spc="0" normalizeH="0" baseline="0">
             <a:ln>
               <a:noFill/>
             </a:ln>
@@ -7652,7 +7812,7 @@
           <a:buFontTx/>
           <a:buNone/>
           <a:tabLst/>
-          <a:defRPr b="0" baseline="0" cap="none" i="0" spc="0" strike="noStrike" sz="1800" u="none" kumimoji="0" normalizeH="0">
+          <a:defRPr kumimoji="0" sz="1800" b="0" i="0" u="none" strike="noStrike" cap="none" spc="0" normalizeH="0" baseline="0">
             <a:ln>
               <a:noFill/>
             </a:ln>
@@ -7678,7 +7838,7 @@
           <a:buFontTx/>
           <a:buNone/>
           <a:tabLst/>
-          <a:defRPr b="0" baseline="0" cap="none" i="0" spc="0" strike="noStrike" sz="1800" u="none" kumimoji="0" normalizeH="0">
+          <a:defRPr kumimoji="0" sz="1800" b="0" i="0" u="none" strike="noStrike" cap="none" spc="0" normalizeH="0" baseline="0">
             <a:ln>
               <a:noFill/>
             </a:ln>
@@ -7704,7 +7864,7 @@
           <a:buFontTx/>
           <a:buNone/>
           <a:tabLst/>
-          <a:defRPr b="0" baseline="0" cap="none" i="0" spc="0" strike="noStrike" sz="1800" u="none" kumimoji="0" normalizeH="0">
+          <a:defRPr kumimoji="0" sz="1800" b="0" i="0" u="none" strike="noStrike" cap="none" spc="0" normalizeH="0" baseline="0">
             <a:ln>
               <a:noFill/>
             </a:ln>
@@ -7730,7 +7890,7 @@
           <a:buFontTx/>
           <a:buNone/>
           <a:tabLst/>
-          <a:defRPr b="0" baseline="0" cap="none" i="0" spc="0" strike="noStrike" sz="1800" u="none" kumimoji="0" normalizeH="0">
+          <a:defRPr kumimoji="0" sz="1800" b="0" i="0" u="none" strike="noStrike" cap="none" spc="0" normalizeH="0" baseline="0">
             <a:ln>
               <a:noFill/>
             </a:ln>
@@ -7756,7 +7916,7 @@
           <a:buFontTx/>
           <a:buNone/>
           <a:tabLst/>
-          <a:defRPr b="0" baseline="0" cap="none" i="0" spc="0" strike="noStrike" sz="1800" u="none" kumimoji="0" normalizeH="0">
+          <a:defRPr kumimoji="0" sz="1800" b="0" i="0" u="none" strike="noStrike" cap="none" spc="0" normalizeH="0" baseline="0">
             <a:ln>
               <a:noFill/>
             </a:ln>
@@ -7782,7 +7942,7 @@
           <a:buFontTx/>
           <a:buNone/>
           <a:tabLst/>
-          <a:defRPr b="0" baseline="0" cap="none" i="0" spc="0" strike="noStrike" sz="1800" u="none" kumimoji="0" normalizeH="0">
+          <a:defRPr kumimoji="0" sz="1800" b="0" i="0" u="none" strike="noStrike" cap="none" spc="0" normalizeH="0" baseline="0">
             <a:ln>
               <a:noFill/>
             </a:ln>
@@ -7808,7 +7968,7 @@
           <a:buFontTx/>
           <a:buNone/>
           <a:tabLst/>
-          <a:defRPr b="0" baseline="0" cap="none" i="0" spc="0" strike="noStrike" sz="1800" u="none" kumimoji="0" normalizeH="0">
+          <a:defRPr kumimoji="0" sz="1800" b="0" i="0" u="none" strike="noStrike" cap="none" spc="0" normalizeH="0" baseline="0">
             <a:ln>
               <a:noFill/>
             </a:ln>
@@ -7834,7 +7994,7 @@
           <a:buFontTx/>
           <a:buNone/>
           <a:tabLst/>
-          <a:defRPr b="0" baseline="0" cap="none" i="0" spc="0" strike="noStrike" sz="1800" u="none" kumimoji="0" normalizeH="0">
+          <a:defRPr kumimoji="0" sz="1800" b="0" i="0" u="none" strike="noStrike" cap="none" spc="0" normalizeH="0" baseline="0">
             <a:ln>
               <a:noFill/>
             </a:ln>
@@ -7847,12 +8007,19 @@
         </a:lvl9pPr>
       </a:lstStyle>
       <a:style>
-        <a:lnRef idx="0"/>
-        <a:fillRef idx="0"/>
-        <a:effectRef idx="0"/>
+        <a:lnRef idx="0">
+          <a:scrgbClr r="0" g="0" b="0"/>
+        </a:lnRef>
+        <a:fillRef idx="0">
+          <a:scrgbClr r="0" g="0" b="0"/>
+        </a:fillRef>
+        <a:effectRef idx="0">
+          <a:scrgbClr r="0" g="0" b="0"/>
+        </a:effectRef>
         <a:fontRef idx="none"/>
       </a:style>
     </a:txDef>
   </a:objectDefaults>
+  <a:extraClrSchemeLst/>
 </a:theme>
 </file>